--- a/atlas/Grattan submission to Senate re 2018 tax cuts charts JD.pptx
+++ b/atlas/Grattan submission to Senate re 2018 tax cuts charts JD.pptx
@@ -5,7 +5,7 @@
     <p:sldMasterId id="2147483654" r:id="rId1"/>
   </p:sldMasterIdLst>
   <p:notesMasterIdLst>
-    <p:notesMasterId r:id="rId10"/>
+    <p:notesMasterId r:id="rId11"/>
   </p:notesMasterIdLst>
   <p:sldIdLst>
     <p:sldId id="573799127" r:id="rId2"/>
@@ -16,6 +16,7 @@
     <p:sldId id="573799130" r:id="rId7"/>
     <p:sldId id="573799132" r:id="rId8"/>
     <p:sldId id="573799129" r:id="rId9"/>
+    <p:sldId id="573799137" r:id="rId10"/>
   </p:sldIdLst>
   <p:sldSz cx="9906000" cy="6858000" type="A4"/>
   <p:notesSz cx="6807200" cy="9939338"/>
@@ -298,7 +299,7 @@
                 <c:formatCode>General</c:formatCode>
                 <c:ptCount val="10"/>
                 <c:pt idx="0">
-                  <c:v>-4.181914478946578</c:v>
+                  <c:v>-4.18191447894658</c:v>
                 </c:pt>
                 <c:pt idx="1">
                   <c:v>-4.31970550213869</c:v>
@@ -322,7 +323,7 @@
                   <c:v>-19.0533150590082</c:v>
                 </c:pt>
                 <c:pt idx="8">
-                  <c:v>-20.26763936982099</c:v>
+                  <c:v>-20.267639369821</c:v>
                 </c:pt>
                 <c:pt idx="9">
                   <c:v>-21.5355094501777</c:v>
@@ -346,11 +347,11 @@
         </c:dLbls>
         <c:gapWidth val="0"/>
         <c:overlap val="100"/>
-        <c:axId val="2079875176"/>
-        <c:axId val="-2092496856"/>
+        <c:axId val="-2015594472"/>
+        <c:axId val="-2016243400"/>
       </c:barChart>
       <c:catAx>
-        <c:axId val="2079875176"/>
+        <c:axId val="-2015594472"/>
         <c:scaling>
           <c:orientation val="minMax"/>
         </c:scaling>
@@ -370,7 +371,7 @@
             <a:endParaRPr lang="en-US"/>
           </a:p>
         </c:txPr>
-        <c:crossAx val="-2092496856"/>
+        <c:crossAx val="-2016243400"/>
         <c:crossesAt val="-30.0"/>
         <c:auto val="1"/>
         <c:lblAlgn val="ctr"/>
@@ -378,7 +379,7 @@
         <c:noMultiLvlLbl val="0"/>
       </c:catAx>
       <c:valAx>
-        <c:axId val="-2092496856"/>
+        <c:axId val="-2016243400"/>
         <c:scaling>
           <c:orientation val="minMax"/>
         </c:scaling>
@@ -404,7 +405,7 @@
             <a:endParaRPr lang="en-US"/>
           </a:p>
         </c:txPr>
-        <c:crossAx val="2079875176"/>
+        <c:crossAx val="-2015594472"/>
         <c:crosses val="autoZero"/>
         <c:crossBetween val="between"/>
       </c:valAx>
@@ -2434,11 +2435,11 @@
         </c:dLbls>
         <c:marker val="1"/>
         <c:smooth val="0"/>
-        <c:axId val="-2093937224"/>
-        <c:axId val="-2093919816"/>
+        <c:axId val="-2019952440"/>
+        <c:axId val="-2093055592"/>
       </c:lineChart>
       <c:catAx>
-        <c:axId val="-2093937224"/>
+        <c:axId val="-2019952440"/>
         <c:scaling>
           <c:orientation val="minMax"/>
         </c:scaling>
@@ -2458,7 +2459,7 @@
             <a:endParaRPr lang="en-US"/>
           </a:p>
         </c:txPr>
-        <c:crossAx val="-2093919816"/>
+        <c:crossAx val="-2093055592"/>
         <c:crosses val="autoZero"/>
         <c:auto val="1"/>
         <c:lblAlgn val="ctr"/>
@@ -2468,7 +2469,7 @@
         <c:noMultiLvlLbl val="0"/>
       </c:catAx>
       <c:valAx>
-        <c:axId val="-2093919816"/>
+        <c:axId val="-2093055592"/>
         <c:scaling>
           <c:orientation val="minMax"/>
           <c:max val="0.45"/>
@@ -2496,7 +2497,7 @@
             <a:endParaRPr lang="en-US"/>
           </a:p>
         </c:txPr>
-        <c:crossAx val="-2093937224"/>
+        <c:crossAx val="-2019952440"/>
         <c:crosses val="autoZero"/>
         <c:crossBetween val="between"/>
         <c:majorUnit val="0.1"/>
@@ -2946,253 +2947,253 @@
                   <c:v>0.0</c:v>
                 </c:pt>
                 <c:pt idx="17">
-                  <c:v>0.0</c:v>
+                  <c:v>0.006</c:v>
                 </c:pt>
                 <c:pt idx="18">
-                  <c:v>0.0</c:v>
+                  <c:v>0.014</c:v>
                 </c:pt>
                 <c:pt idx="19">
-                  <c:v>0.000133996125879889</c:v>
+                  <c:v>0.021</c:v>
                 </c:pt>
                 <c:pt idx="20">
-                  <c:v>0.0049307681367638</c:v>
+                  <c:v>0.028</c:v>
                 </c:pt>
                 <c:pt idx="21">
-                  <c:v>0.0116939126171804</c:v>
+                  <c:v>0.035</c:v>
                 </c:pt>
                 <c:pt idx="22">
-                  <c:v>0.0186741125679733</c:v>
+                  <c:v>0.041</c:v>
                 </c:pt>
                 <c:pt idx="23">
-                  <c:v>0.0228026922526118</c:v>
+                  <c:v>0.043</c:v>
                 </c:pt>
                 <c:pt idx="24">
-                  <c:v>0.0240966228421773</c:v>
+                  <c:v>0.044</c:v>
                 </c:pt>
                 <c:pt idx="25">
-                  <c:v>0.0251584364210272</c:v>
+                  <c:v>0.044</c:v>
                 </c:pt>
                 <c:pt idx="26">
-                  <c:v>0.0253754083905951</c:v>
+                  <c:v>0.044</c:v>
                 </c:pt>
                 <c:pt idx="27">
-                  <c:v>0.0248767366016515</c:v>
+                  <c:v>0.043</c:v>
                 </c:pt>
                 <c:pt idx="28">
-                  <c:v>0.0239961495744618</c:v>
+                  <c:v>0.039</c:v>
                 </c:pt>
                 <c:pt idx="29">
-                  <c:v>0.0220504573988665</c:v>
+                  <c:v>0.035</c:v>
                 </c:pt>
                 <c:pt idx="30">
-                  <c:v>0.0194792680396533</c:v>
+                  <c:v>0.036</c:v>
                 </c:pt>
                 <c:pt idx="31">
-                  <c:v>0.0189723904652217</c:v>
+                  <c:v>0.038</c:v>
                 </c:pt>
                 <c:pt idx="32">
-                  <c:v>0.0186123458456566</c:v>
+                  <c:v>0.042</c:v>
                 </c:pt>
                 <c:pt idx="33">
-                  <c:v>0.0182059497665188</c:v>
+                  <c:v>0.046</c:v>
                 </c:pt>
                 <c:pt idx="34">
-                  <c:v>0.0180952135363187</c:v>
+                  <c:v>0.051</c:v>
                 </c:pt>
                 <c:pt idx="35">
-                  <c:v>0.020379150212249</c:v>
+                  <c:v>0.055</c:v>
                 </c:pt>
                 <c:pt idx="36">
-                  <c:v>0.0210577418363424</c:v>
+                  <c:v>0.057</c:v>
                 </c:pt>
                 <c:pt idx="37">
-                  <c:v>0.0236605047589035</c:v>
+                  <c:v>0.061</c:v>
                 </c:pt>
                 <c:pt idx="38">
-                  <c:v>0.0281564859187324</c:v>
+                  <c:v>0.064</c:v>
                 </c:pt>
                 <c:pt idx="39">
-                  <c:v>0.0325995369684068</c:v>
+                  <c:v>0.066</c:v>
                 </c:pt>
                 <c:pt idx="40">
-                  <c:v>0.0346958803313378</c:v>
+                  <c:v>0.068</c:v>
                 </c:pt>
                 <c:pt idx="41">
-                  <c:v>0.0368815584229282</c:v>
+                  <c:v>0.068</c:v>
                 </c:pt>
                 <c:pt idx="42">
-                  <c:v>0.0379698827485131</c:v>
+                  <c:v>0.065</c:v>
                 </c:pt>
                 <c:pt idx="43">
-                  <c:v>0.0370707229638726</c:v>
+                  <c:v>0.063</c:v>
                 </c:pt>
                 <c:pt idx="44">
-                  <c:v>0.0357886038352136</c:v>
+                  <c:v>0.062</c:v>
                 </c:pt>
                 <c:pt idx="45">
-                  <c:v>0.0354010231431835</c:v>
+                  <c:v>0.06</c:v>
                 </c:pt>
                 <c:pt idx="46">
-                  <c:v>0.034200919876151</c:v>
+                  <c:v>0.059</c:v>
                 </c:pt>
                 <c:pt idx="47">
-                  <c:v>0.0334939678830294</c:v>
+                  <c:v>0.057</c:v>
                 </c:pt>
                 <c:pt idx="48">
-                  <c:v>0.0329250003250983</c:v>
+                  <c:v>0.055</c:v>
                 </c:pt>
                 <c:pt idx="49">
-                  <c:v>0.0318875310686022</c:v>
+                  <c:v>0.054</c:v>
                 </c:pt>
                 <c:pt idx="50">
-                  <c:v>0.0312410443048484</c:v>
+                  <c:v>0.052</c:v>
                 </c:pt>
                 <c:pt idx="51">
-                  <c:v>0.0304221667931698</c:v>
+                  <c:v>0.051</c:v>
                 </c:pt>
                 <c:pt idx="52">
-                  <c:v>0.0296465239550578</c:v>
+                  <c:v>0.051</c:v>
                 </c:pt>
                 <c:pt idx="53">
-                  <c:v>0.0290030736967199</c:v>
+                  <c:v>0.049</c:v>
                 </c:pt>
                 <c:pt idx="54">
-                  <c:v>0.0283458893851601</c:v>
+                  <c:v>0.048</c:v>
                 </c:pt>
                 <c:pt idx="55">
-                  <c:v>0.0274829401261804</c:v>
+                  <c:v>0.047</c:v>
                 </c:pt>
                 <c:pt idx="56">
-                  <c:v>0.0269102954805871</c:v>
+                  <c:v>0.046</c:v>
                 </c:pt>
                 <c:pt idx="57">
-                  <c:v>0.026607531790499</c:v>
+                  <c:v>0.045</c:v>
                 </c:pt>
                 <c:pt idx="58">
-                  <c:v>0.0261659984478865</c:v>
+                  <c:v>0.043</c:v>
                 </c:pt>
                 <c:pt idx="59">
-                  <c:v>0.025742326304866</c:v>
+                  <c:v>0.043</c:v>
                 </c:pt>
                 <c:pt idx="60">
-                  <c:v>0.0252545824432693</c:v>
+                  <c:v>0.041</c:v>
                 </c:pt>
                 <c:pt idx="61">
-                  <c:v>0.0247119727871912</c:v>
+                  <c:v>0.041</c:v>
                 </c:pt>
                 <c:pt idx="62">
-                  <c:v>0.0243437567458967</c:v>
+                  <c:v>0.039</c:v>
                 </c:pt>
                 <c:pt idx="63">
-                  <c:v>0.0238268318665462</c:v>
+                  <c:v>0.039</c:v>
                 </c:pt>
                 <c:pt idx="64">
-                  <c:v>0.0230380092237415</c:v>
+                  <c:v>0.038</c:v>
                 </c:pt>
                 <c:pt idx="65">
-                  <c:v>0.0223399344098254</c:v>
+                  <c:v>0.037</c:v>
                 </c:pt>
                 <c:pt idx="66">
-                  <c:v>0.0216764234509875</c:v>
+                  <c:v>0.035</c:v>
                 </c:pt>
                 <c:pt idx="67">
-                  <c:v>0.0209883069433587</c:v>
+                  <c:v>0.035</c:v>
                 </c:pt>
                 <c:pt idx="68">
-                  <c:v>0.0203162365853058</c:v>
+                  <c:v>0.035</c:v>
                 </c:pt>
                 <c:pt idx="69">
-                  <c:v>0.0197287992970752</c:v>
+                  <c:v>0.035</c:v>
                 </c:pt>
                 <c:pt idx="70">
-                  <c:v>0.019130726261367</c:v>
+                  <c:v>0.035</c:v>
                 </c:pt>
                 <c:pt idx="71">
-                  <c:v>0.0187966342006628</c:v>
+                  <c:v>0.036</c:v>
                 </c:pt>
                 <c:pt idx="72">
-                  <c:v>0.018443045573928</c:v>
+                  <c:v>0.036</c:v>
                 </c:pt>
                 <c:pt idx="73">
-                  <c:v>0.0182046818544166</c:v>
+                  <c:v>0.036</c:v>
                 </c:pt>
                 <c:pt idx="74">
-                  <c:v>0.0179439393912405</c:v>
+                  <c:v>0.037</c:v>
                 </c:pt>
                 <c:pt idx="75">
-                  <c:v>0.0185257751934349</c:v>
+                  <c:v>0.037</c:v>
                 </c:pt>
                 <c:pt idx="76">
-                  <c:v>0.0192236320068661</c:v>
+                  <c:v>0.038</c:v>
                 </c:pt>
                 <c:pt idx="77">
-                  <c:v>0.0200714309448481</c:v>
+                  <c:v>0.038</c:v>
                 </c:pt>
                 <c:pt idx="78">
-                  <c:v>0.0208013801726815</c:v>
+                  <c:v>0.038</c:v>
                 </c:pt>
                 <c:pt idx="79">
-                  <c:v>0.0214870303345876</c:v>
+                  <c:v>0.038</c:v>
                 </c:pt>
                 <c:pt idx="80">
-                  <c:v>0.0221319898464657</c:v>
+                  <c:v>0.039</c:v>
                 </c:pt>
                 <c:pt idx="81">
-                  <c:v>0.0229350853377147</c:v>
+                  <c:v>0.039</c:v>
                 </c:pt>
                 <c:pt idx="82">
-                  <c:v>0.0228287553157028</c:v>
+                  <c:v>0.038</c:v>
                 </c:pt>
                 <c:pt idx="83">
-                  <c:v>0.0223687729370763</c:v>
+                  <c:v>0.037</c:v>
                 </c:pt>
                 <c:pt idx="84">
-                  <c:v>0.0218842227517369</c:v>
+                  <c:v>0.036</c:v>
                 </c:pt>
                 <c:pt idx="85">
-                  <c:v>0.0215407920194802</c:v>
+                  <c:v>0.036</c:v>
                 </c:pt>
                 <c:pt idx="86">
-                  <c:v>0.0210967028609361</c:v>
+                  <c:v>0.034</c:v>
                 </c:pt>
                 <c:pt idx="87">
-                  <c:v>0.0206535077618917</c:v>
+                  <c:v>0.034</c:v>
                 </c:pt>
                 <c:pt idx="88">
-                  <c:v>0.0201883547100449</c:v>
+                  <c:v>0.033</c:v>
                 </c:pt>
                 <c:pt idx="89">
-                  <c:v>0.0196658136212649</c:v>
+                  <c:v>0.031</c:v>
                 </c:pt>
                 <c:pt idx="90">
-                  <c:v>0.0189849448818085</c:v>
+                  <c:v>0.029</c:v>
                 </c:pt>
                 <c:pt idx="91">
-                  <c:v>0.0181449841325463</c:v>
+                  <c:v>0.029</c:v>
                 </c:pt>
                 <c:pt idx="92">
-                  <c:v>0.0174318366573233</c:v>
+                  <c:v>0.029</c:v>
                 </c:pt>
                 <c:pt idx="93">
-                  <c:v>0.0165729690708048</c:v>
+                  <c:v>0.033</c:v>
                 </c:pt>
                 <c:pt idx="94">
-                  <c:v>0.015668614794821</c:v>
+                  <c:v>0.037</c:v>
                 </c:pt>
                 <c:pt idx="95">
-                  <c:v>0.0167687819320444</c:v>
+                  <c:v>0.04</c:v>
                 </c:pt>
                 <c:pt idx="96">
-                  <c:v>0.0218398538505454</c:v>
+                  <c:v>0.042</c:v>
                 </c:pt>
                 <c:pt idx="97">
-                  <c:v>0.0255847769549868</c:v>
+                  <c:v>0.035</c:v>
                 </c:pt>
                 <c:pt idx="98">
-                  <c:v>0.0229843083723075</c:v>
+                  <c:v>0.026</c:v>
                 </c:pt>
                 <c:pt idx="99">
-                  <c:v>0.0154540485486835</c:v>
+                  <c:v>0.017</c:v>
                 </c:pt>
                 <c:pt idx="100">
                   <c:v>0.0104723888621149</c:v>
@@ -3601,253 +3602,253 @@
                   <c:v>0.0</c:v>
                 </c:pt>
                 <c:pt idx="17">
+                  <c:v>0.001</c:v>
+                </c:pt>
+                <c:pt idx="18">
+                  <c:v>0.007</c:v>
+                </c:pt>
+                <c:pt idx="19">
+                  <c:v>0.014</c:v>
+                </c:pt>
+                <c:pt idx="20">
+                  <c:v>0.021</c:v>
+                </c:pt>
+                <c:pt idx="21">
+                  <c:v>0.029</c:v>
+                </c:pt>
+                <c:pt idx="22">
+                  <c:v>0.035</c:v>
+                </c:pt>
+                <c:pt idx="23">
+                  <c:v>0.037</c:v>
+                </c:pt>
+                <c:pt idx="24">
+                  <c:v>0.038</c:v>
+                </c:pt>
+                <c:pt idx="25">
+                  <c:v>0.038</c:v>
+                </c:pt>
+                <c:pt idx="26">
+                  <c:v>0.038</c:v>
+                </c:pt>
+                <c:pt idx="27">
+                  <c:v>0.037</c:v>
+                </c:pt>
+                <c:pt idx="28">
+                  <c:v>0.033</c:v>
+                </c:pt>
+                <c:pt idx="29">
+                  <c:v>0.03</c:v>
+                </c:pt>
+                <c:pt idx="30">
+                  <c:v>0.031</c:v>
+                </c:pt>
+                <c:pt idx="31">
+                  <c:v>0.032</c:v>
+                </c:pt>
+                <c:pt idx="32">
+                  <c:v>0.034</c:v>
+                </c:pt>
+                <c:pt idx="33">
+                  <c:v>0.035</c:v>
+                </c:pt>
+                <c:pt idx="34">
+                  <c:v>0.038</c:v>
+                </c:pt>
+                <c:pt idx="35">
+                  <c:v>0.042</c:v>
+                </c:pt>
+                <c:pt idx="36">
+                  <c:v>0.045</c:v>
+                </c:pt>
+                <c:pt idx="37">
+                  <c:v>0.049</c:v>
+                </c:pt>
+                <c:pt idx="38">
+                  <c:v>0.053</c:v>
+                </c:pt>
+                <c:pt idx="39">
+                  <c:v>0.055</c:v>
+                </c:pt>
+                <c:pt idx="40">
+                  <c:v>0.056</c:v>
+                </c:pt>
+                <c:pt idx="41">
+                  <c:v>0.057</c:v>
+                </c:pt>
+                <c:pt idx="42">
+                  <c:v>0.055</c:v>
+                </c:pt>
+                <c:pt idx="43">
+                  <c:v>0.053</c:v>
+                </c:pt>
+                <c:pt idx="44">
+                  <c:v>0.052</c:v>
+                </c:pt>
+                <c:pt idx="45">
+                  <c:v>0.05</c:v>
+                </c:pt>
+                <c:pt idx="46">
+                  <c:v>0.049</c:v>
+                </c:pt>
+                <c:pt idx="47">
+                  <c:v>0.048</c:v>
+                </c:pt>
+                <c:pt idx="48">
+                  <c:v>0.045</c:v>
+                </c:pt>
+                <c:pt idx="49">
+                  <c:v>0.045</c:v>
+                </c:pt>
+                <c:pt idx="50">
+                  <c:v>0.043</c:v>
+                </c:pt>
+                <c:pt idx="51">
+                  <c:v>0.043</c:v>
+                </c:pt>
+                <c:pt idx="52">
+                  <c:v>0.042</c:v>
+                </c:pt>
+                <c:pt idx="53">
+                  <c:v>0.04</c:v>
+                </c:pt>
+                <c:pt idx="54">
+                  <c:v>0.039</c:v>
+                </c:pt>
+                <c:pt idx="55">
+                  <c:v>0.039</c:v>
+                </c:pt>
+                <c:pt idx="56">
+                  <c:v>0.038</c:v>
+                </c:pt>
+                <c:pt idx="57">
+                  <c:v>0.037</c:v>
+                </c:pt>
+                <c:pt idx="58">
+                  <c:v>0.036</c:v>
+                </c:pt>
+                <c:pt idx="59">
+                  <c:v>0.035</c:v>
+                </c:pt>
+                <c:pt idx="60">
+                  <c:v>0.034</c:v>
+                </c:pt>
+                <c:pt idx="61">
+                  <c:v>0.034</c:v>
+                </c:pt>
+                <c:pt idx="62">
+                  <c:v>0.032</c:v>
+                </c:pt>
+                <c:pt idx="63">
+                  <c:v>0.032</c:v>
+                </c:pt>
+                <c:pt idx="64">
+                  <c:v>0.031</c:v>
+                </c:pt>
+                <c:pt idx="65">
+                  <c:v>0.031</c:v>
+                </c:pt>
+                <c:pt idx="66">
+                  <c:v>0.029</c:v>
+                </c:pt>
+                <c:pt idx="67">
+                  <c:v>0.028</c:v>
+                </c:pt>
+                <c:pt idx="68">
+                  <c:v>0.028</c:v>
+                </c:pt>
+                <c:pt idx="69">
+                  <c:v>0.027</c:v>
+                </c:pt>
+                <c:pt idx="70">
+                  <c:v>0.026</c:v>
+                </c:pt>
+                <c:pt idx="71">
+                  <c:v>0.027</c:v>
+                </c:pt>
+                <c:pt idx="72">
+                  <c:v>0.026</c:v>
+                </c:pt>
+                <c:pt idx="73">
+                  <c:v>0.025</c:v>
+                </c:pt>
+                <c:pt idx="74">
+                  <c:v>0.025</c:v>
+                </c:pt>
+                <c:pt idx="75">
+                  <c:v>0.024</c:v>
+                </c:pt>
+                <c:pt idx="76">
+                  <c:v>0.024</c:v>
+                </c:pt>
+                <c:pt idx="77">
+                  <c:v>0.023</c:v>
+                </c:pt>
+                <c:pt idx="78">
+                  <c:v>0.023</c:v>
+                </c:pt>
+                <c:pt idx="79">
+                  <c:v>0.022</c:v>
+                </c:pt>
+                <c:pt idx="80">
+                  <c:v>0.022</c:v>
+                </c:pt>
+                <c:pt idx="81">
+                  <c:v>0.021</c:v>
+                </c:pt>
+                <c:pt idx="82">
+                  <c:v>0.02</c:v>
+                </c:pt>
+                <c:pt idx="83">
+                  <c:v>0.018</c:v>
+                </c:pt>
+                <c:pt idx="84">
+                  <c:v>0.016</c:v>
+                </c:pt>
+                <c:pt idx="85">
+                  <c:v>0.015</c:v>
+                </c:pt>
+                <c:pt idx="86">
+                  <c:v>0.013</c:v>
+                </c:pt>
+                <c:pt idx="87">
+                  <c:v>0.011</c:v>
+                </c:pt>
+                <c:pt idx="88">
+                  <c:v>0.00999999999999995</c:v>
+                </c:pt>
+                <c:pt idx="89">
+                  <c:v>0.007</c:v>
+                </c:pt>
+                <c:pt idx="90">
+                  <c:v>0.004</c:v>
+                </c:pt>
+                <c:pt idx="91">
+                  <c:v>0.003</c:v>
+                </c:pt>
+                <c:pt idx="92">
                   <c:v>0.0</c:v>
                 </c:pt>
-                <c:pt idx="18">
-                  <c:v>0.0</c:v>
-                </c:pt>
-                <c:pt idx="19">
-                  <c:v>3.68755814701598E-5</c:v>
-                </c:pt>
-                <c:pt idx="20">
-                  <c:v>0.00429327346035413</c:v>
-                </c:pt>
-                <c:pt idx="21">
-                  <c:v>0.0115531657658039</c:v>
-                </c:pt>
-                <c:pt idx="22">
-                  <c:v>0.0158512739959134</c:v>
-                </c:pt>
-                <c:pt idx="23">
-                  <c:v>0.0174561177103968</c:v>
-                </c:pt>
-                <c:pt idx="24">
-                  <c:v>0.018637472027417</c:v>
-                </c:pt>
-                <c:pt idx="25">
-                  <c:v>0.0190477420532321</c:v>
-                </c:pt>
-                <c:pt idx="26">
-                  <c:v>0.01876297008985</c:v>
-                </c:pt>
-                <c:pt idx="27">
-                  <c:v>0.0180629421884037</c:v>
-                </c:pt>
-                <c:pt idx="28">
-                  <c:v>0.0162798535601585</c:v>
-                </c:pt>
-                <c:pt idx="29">
-                  <c:v>0.0138584154831126</c:v>
-                </c:pt>
-                <c:pt idx="30">
-                  <c:v>0.0134779094717471</c:v>
-                </c:pt>
-                <c:pt idx="31">
-                  <c:v>0.0127127612401572</c:v>
-                </c:pt>
-                <c:pt idx="32">
-                  <c:v>0.0123500488738179</c:v>
-                </c:pt>
-                <c:pt idx="33">
-                  <c:v>0.0124071025114491</c:v>
-                </c:pt>
-                <c:pt idx="34">
-                  <c:v>0.0148573455525308</c:v>
-                </c:pt>
-                <c:pt idx="35">
-                  <c:v>0.0153944567832857</c:v>
-                </c:pt>
-                <c:pt idx="36">
-                  <c:v>0.0166185961569229</c:v>
-                </c:pt>
-                <c:pt idx="37">
-                  <c:v>0.019678734557184</c:v>
-                </c:pt>
-                <c:pt idx="38">
-                  <c:v>0.0227591923022663</c:v>
-                </c:pt>
-                <c:pt idx="39">
-                  <c:v>0.0239683264558462</c:v>
-                </c:pt>
-                <c:pt idx="40">
-                  <c:v>0.0260532174588396</c:v>
-                </c:pt>
-                <c:pt idx="41">
-                  <c:v>0.0270712503431956</c:v>
-                </c:pt>
-                <c:pt idx="42">
-                  <c:v>0.0261077762328836</c:v>
-                </c:pt>
-                <c:pt idx="43">
-                  <c:v>0.024776526828679</c:v>
-                </c:pt>
-                <c:pt idx="44">
-                  <c:v>0.0243357738448769</c:v>
-                </c:pt>
-                <c:pt idx="45">
-                  <c:v>0.0230887124162348</c:v>
-                </c:pt>
-                <c:pt idx="46">
-                  <c:v>0.0225097357294236</c:v>
-                </c:pt>
-                <c:pt idx="47">
-                  <c:v>0.0221742860796107</c:v>
-                </c:pt>
-                <c:pt idx="48">
-                  <c:v>0.0213696227123903</c:v>
-                </c:pt>
-                <c:pt idx="49">
-                  <c:v>0.0209346291201074</c:v>
-                </c:pt>
-                <c:pt idx="50">
-                  <c:v>0.0203325489814757</c:v>
-                </c:pt>
-                <c:pt idx="51">
-                  <c:v>0.0197611914067741</c:v>
-                </c:pt>
-                <c:pt idx="52">
-                  <c:v>0.0193179011593816</c:v>
-                </c:pt>
-                <c:pt idx="53">
-                  <c:v>0.018857694151443</c:v>
-                </c:pt>
-                <c:pt idx="54">
-                  <c:v>0.0181885826207162</c:v>
-                </c:pt>
-                <c:pt idx="55">
-                  <c:v>0.0178037575288708</c:v>
-                </c:pt>
-                <c:pt idx="56">
-                  <c:v>0.0176816478999092</c:v>
-                </c:pt>
-                <c:pt idx="57">
-                  <c:v>0.017423373889249</c:v>
-                </c:pt>
-                <c:pt idx="58">
-                  <c:v>0.0171776151622209</c:v>
-                </c:pt>
-                <c:pt idx="59">
-                  <c:v>0.0168674719565005</c:v>
-                </c:pt>
-                <c:pt idx="60">
-                  <c:v>0.0164951883018933</c:v>
-                </c:pt>
-                <c:pt idx="61">
-                  <c:v>0.0162947327140747</c:v>
-                </c:pt>
-                <c:pt idx="62">
-                  <c:v>0.0159454701217518</c:v>
-                </c:pt>
-                <c:pt idx="63">
-                  <c:v>0.0153218374214369</c:v>
-                </c:pt>
-                <c:pt idx="64">
-                  <c:v>0.0147871331872743</c:v>
-                </c:pt>
-                <c:pt idx="65">
-                  <c:v>0.0142858803694736</c:v>
-                </c:pt>
-                <c:pt idx="66">
-                  <c:v>0.0137574230041471</c:v>
-                </c:pt>
-                <c:pt idx="67">
-                  <c:v>0.0132418707603626</c:v>
-                </c:pt>
-                <c:pt idx="68">
-                  <c:v>0.012809109219781</c:v>
-                </c:pt>
-                <c:pt idx="69">
-                  <c:v>0.0123633636449493</c:v>
-                </c:pt>
-                <c:pt idx="70">
-                  <c:v>0.0121798291717009</c:v>
-                </c:pt>
-                <c:pt idx="71">
-                  <c:v>0.0119735614718066</c:v>
-                </c:pt>
-                <c:pt idx="72">
-                  <c:v>0.0118830551195124</c:v>
-                </c:pt>
-                <c:pt idx="73">
-                  <c:v>0.0116897802185556</c:v>
-                </c:pt>
-                <c:pt idx="74">
-                  <c:v>0.0115689623749783</c:v>
-                </c:pt>
-                <c:pt idx="75">
-                  <c:v>0.0116144347826897</c:v>
-                </c:pt>
-                <c:pt idx="76">
-                  <c:v>0.0121094338452528</c:v>
-                </c:pt>
-                <c:pt idx="77">
-                  <c:v>0.0124842568863593</c:v>
-                </c:pt>
-                <c:pt idx="78">
-                  <c:v>0.0127917324920232</c:v>
-                </c:pt>
-                <c:pt idx="79">
-                  <c:v>0.013036600767823</c:v>
-                </c:pt>
-                <c:pt idx="80">
-                  <c:v>0.013469592360973</c:v>
-                </c:pt>
-                <c:pt idx="81">
-                  <c:v>0.0129501877428698</c:v>
-                </c:pt>
-                <c:pt idx="82">
-                  <c:v>0.0120748957200232</c:v>
-                </c:pt>
-                <c:pt idx="83">
-                  <c:v>0.0111403342446653</c:v>
-                </c:pt>
-                <c:pt idx="84">
-                  <c:v>0.0103178592793814</c:v>
-                </c:pt>
-                <c:pt idx="85">
-                  <c:v>0.00940059194727422</c:v>
-                </c:pt>
-                <c:pt idx="86">
-                  <c:v>0.00868519151337116</c:v>
-                </c:pt>
-                <c:pt idx="87">
-                  <c:v>0.00791507554014687</c:v>
-                </c:pt>
-                <c:pt idx="88">
-                  <c:v>0.00695177714653927</c:v>
-                </c:pt>
-                <c:pt idx="89">
-                  <c:v>0.00584405851457259</c:v>
-                </c:pt>
-                <c:pt idx="90">
-                  <c:v>0.00451464501068305</c:v>
-                </c:pt>
-                <c:pt idx="91">
-                  <c:v>0.00336877514382694</c:v>
-                </c:pt>
-                <c:pt idx="92">
-                  <c:v>0.00203854614560789</c:v>
-                </c:pt>
                 <c:pt idx="93">
-                  <c:v>0.000688393851339009</c:v>
+                  <c:v>-0.002</c:v>
                 </c:pt>
                 <c:pt idx="94">
-                  <c:v>0.000400067400574466</c:v>
+                  <c:v>0.003</c:v>
                 </c:pt>
                 <c:pt idx="95">
-                  <c:v>0.0029860026662869</c:v>
+                  <c:v>0.00900000000000001</c:v>
                 </c:pt>
                 <c:pt idx="96">
-                  <c:v>0.00771345509601484</c:v>
+                  <c:v>0.014</c:v>
                 </c:pt>
                 <c:pt idx="97">
-                  <c:v>0.00620707272998244</c:v>
+                  <c:v>0.00999999999999995</c:v>
                 </c:pt>
                 <c:pt idx="98">
-                  <c:v>0.00278456798798354</c:v>
+                  <c:v>0.006</c:v>
                 </c:pt>
                 <c:pt idx="99">
-                  <c:v>0.0028333199692942</c:v>
+                  <c:v>0.005</c:v>
                 </c:pt>
                 <c:pt idx="100">
                   <c:v>0.00470630458684701</c:v>
@@ -3872,11 +3873,11 @@
         </c:dLbls>
         <c:marker val="1"/>
         <c:smooth val="0"/>
-        <c:axId val="-2017309512"/>
-        <c:axId val="-2017306472"/>
+        <c:axId val="-2016562648"/>
+        <c:axId val="-2016638552"/>
       </c:lineChart>
       <c:catAx>
-        <c:axId val="-2017309512"/>
+        <c:axId val="-2016562648"/>
         <c:scaling>
           <c:orientation val="minMax"/>
         </c:scaling>
@@ -3896,7 +3897,7 @@
             <a:endParaRPr lang="en-US"/>
           </a:p>
         </c:txPr>
-        <c:crossAx val="-2017306472"/>
+        <c:crossAx val="-2016638552"/>
         <c:crosses val="autoZero"/>
         <c:auto val="1"/>
         <c:lblAlgn val="ctr"/>
@@ -3906,10 +3907,10 @@
         <c:noMultiLvlLbl val="0"/>
       </c:catAx>
       <c:valAx>
-        <c:axId val="-2017306472"/>
+        <c:axId val="-2016638552"/>
         <c:scaling>
           <c:orientation val="minMax"/>
-          <c:max val="0.04"/>
+          <c:max val="0.07"/>
           <c:min val="0.0"/>
         </c:scaling>
         <c:delete val="0"/>
@@ -3945,7 +3946,7 @@
             <a:endParaRPr lang="en-US"/>
           </a:p>
         </c:txPr>
-        <c:crossAx val="-2017309512"/>
+        <c:crossAx val="-2016562648"/>
         <c:crosses val="autoZero"/>
         <c:crossBetween val="between"/>
         <c:majorUnit val="0.01"/>
@@ -4396,253 +4397,253 @@
                   <c:v>0.0</c:v>
                 </c:pt>
                 <c:pt idx="17">
-                  <c:v>0.0</c:v>
+                  <c:v>-0.005</c:v>
                 </c:pt>
                 <c:pt idx="18">
-                  <c:v>0.0</c:v>
+                  <c:v>-0.007</c:v>
                 </c:pt>
                 <c:pt idx="19">
-                  <c:v>-0.000133996125879889</c:v>
+                  <c:v>-0.007</c:v>
                 </c:pt>
                 <c:pt idx="20">
-                  <c:v>-0.00489389255529364</c:v>
+                  <c:v>-0.007</c:v>
                 </c:pt>
                 <c:pt idx="21">
-                  <c:v>-0.00740063915682632</c:v>
+                  <c:v>-0.006</c:v>
                 </c:pt>
                 <c:pt idx="22">
-                  <c:v>-0.00712094680216948</c:v>
+                  <c:v>-0.006</c:v>
                 </c:pt>
                 <c:pt idx="23">
-                  <c:v>-0.00695141825669844</c:v>
+                  <c:v>-0.006</c:v>
                 </c:pt>
                 <c:pt idx="24">
-                  <c:v>-0.00664050513178048</c:v>
+                  <c:v>-0.006</c:v>
                 </c:pt>
                 <c:pt idx="25">
-                  <c:v>-0.00652096439361017</c:v>
+                  <c:v>-0.006</c:v>
                 </c:pt>
                 <c:pt idx="26">
-                  <c:v>-0.00632766633736302</c:v>
+                  <c:v>-0.00599999999999999</c:v>
                 </c:pt>
                 <c:pt idx="27">
-                  <c:v>-0.00611376651180153</c:v>
+                  <c:v>-0.006</c:v>
                 </c:pt>
                 <c:pt idx="28">
-                  <c:v>-0.00593320738605812</c:v>
+                  <c:v>-0.006</c:v>
                 </c:pt>
                 <c:pt idx="29">
-                  <c:v>-0.00577060383870801</c:v>
+                  <c:v>-0.00499999999999999</c:v>
                 </c:pt>
                 <c:pt idx="30">
-                  <c:v>-0.00562085255654071</c:v>
+                  <c:v>-0.005</c:v>
                 </c:pt>
                 <c:pt idx="31">
-                  <c:v>-0.00549448099347456</c:v>
+                  <c:v>-0.006</c:v>
                 </c:pt>
                 <c:pt idx="32">
-                  <c:v>-0.0058995846054994</c:v>
+                  <c:v>-0.00799999999999999</c:v>
                 </c:pt>
                 <c:pt idx="33">
-                  <c:v>-0.00585590089270081</c:v>
+                  <c:v>-0.011</c:v>
                 </c:pt>
                 <c:pt idx="34">
-                  <c:v>-0.00568811102486963</c:v>
+                  <c:v>-0.013</c:v>
                 </c:pt>
                 <c:pt idx="35">
-                  <c:v>-0.0055218046597182</c:v>
+                  <c:v>-0.013</c:v>
                 </c:pt>
                 <c:pt idx="36">
-                  <c:v>-0.00566328505305666</c:v>
+                  <c:v>-0.012</c:v>
                 </c:pt>
                 <c:pt idx="37">
-                  <c:v>-0.00704190860198066</c:v>
+                  <c:v>-0.012</c:v>
                 </c:pt>
                 <c:pt idx="38">
-                  <c:v>-0.00847775136154834</c:v>
+                  <c:v>-0.011</c:v>
                 </c:pt>
                 <c:pt idx="39">
-                  <c:v>-0.00984034466614049</c:v>
+                  <c:v>-0.011</c:v>
                 </c:pt>
                 <c:pt idx="40">
-                  <c:v>-0.0107275538754916</c:v>
+                  <c:v>-0.012</c:v>
                 </c:pt>
                 <c:pt idx="41">
-                  <c:v>-0.0108283409640886</c:v>
+                  <c:v>-0.011</c:v>
                 </c:pt>
                 <c:pt idx="42">
-                  <c:v>-0.0108986324053175</c:v>
+                  <c:v>-0.00999999999999998</c:v>
                 </c:pt>
                 <c:pt idx="43">
-                  <c:v>-0.010962946730989</c:v>
+                  <c:v>-0.00999999999999998</c:v>
                 </c:pt>
                 <c:pt idx="44">
-                  <c:v>-0.0110120770065346</c:v>
+                  <c:v>-0.01</c:v>
                 </c:pt>
                 <c:pt idx="45">
-                  <c:v>-0.0110652492983066</c:v>
+                  <c:v>-0.01</c:v>
                 </c:pt>
                 <c:pt idx="46">
-                  <c:v>-0.0111122074599163</c:v>
+                  <c:v>-0.01</c:v>
                 </c:pt>
                 <c:pt idx="47">
-                  <c:v>-0.0109842321536057</c:v>
+                  <c:v>-0.00900000000000001</c:v>
                 </c:pt>
                 <c:pt idx="48">
-                  <c:v>-0.0107507142454876</c:v>
+                  <c:v>-0.01</c:v>
                 </c:pt>
                 <c:pt idx="49">
-                  <c:v>-0.0105179083562119</c:v>
+                  <c:v>-0.00900000000000001</c:v>
                 </c:pt>
                 <c:pt idx="50">
-                  <c:v>-0.0103064151847411</c:v>
+                  <c:v>-0.00900000000000001</c:v>
                 </c:pt>
                 <c:pt idx="51">
-                  <c:v>-0.0100896178116941</c:v>
+                  <c:v>-0.00799999999999998</c:v>
                 </c:pt>
                 <c:pt idx="52">
-                  <c:v>-0.00988533254828369</c:v>
+                  <c:v>-0.00899999999999998</c:v>
                 </c:pt>
                 <c:pt idx="53">
-                  <c:v>-0.00968517253733822</c:v>
+                  <c:v>-0.00900000000000001</c:v>
                 </c:pt>
                 <c:pt idx="54">
-                  <c:v>-0.00948819523371711</c:v>
+                  <c:v>-0.00900000000000001</c:v>
                 </c:pt>
                 <c:pt idx="55">
-                  <c:v>-0.00929435750546414</c:v>
+                  <c:v>-0.00800000000000001</c:v>
                 </c:pt>
                 <c:pt idx="56">
-                  <c:v>-0.00910653795171626</c:v>
+                  <c:v>-0.00800000000000001</c:v>
                 </c:pt>
                 <c:pt idx="57">
-                  <c:v>-0.00892588389058979</c:v>
+                  <c:v>-0.00800000000000001</c:v>
                 </c:pt>
                 <c:pt idx="58">
-                  <c:v>-0.00874262455863756</c:v>
+                  <c:v>-0.007</c:v>
                 </c:pt>
                 <c:pt idx="59">
-                  <c:v>-0.00856471114264501</c:v>
+                  <c:v>-0.00800000000000001</c:v>
                 </c:pt>
                 <c:pt idx="60">
-                  <c:v>-0.00838711048676877</c:v>
+                  <c:v>-0.007</c:v>
                 </c:pt>
                 <c:pt idx="61">
-                  <c:v>-0.00821678448529792</c:v>
+                  <c:v>-0.007</c:v>
                 </c:pt>
                 <c:pt idx="62">
-                  <c:v>-0.00804902403182203</c:v>
+                  <c:v>-0.00699999999999998</c:v>
                 </c:pt>
                 <c:pt idx="63">
-                  <c:v>-0.00788136174479445</c:v>
+                  <c:v>-0.00699999999999998</c:v>
                 </c:pt>
                 <c:pt idx="64">
-                  <c:v>-0.00771617180230466</c:v>
+                  <c:v>-0.00699999999999998</c:v>
                 </c:pt>
                 <c:pt idx="65">
-                  <c:v>-0.00755280122255106</c:v>
+                  <c:v>-0.006</c:v>
                 </c:pt>
                 <c:pt idx="66">
-                  <c:v>-0.00739054308151382</c:v>
+                  <c:v>-0.006</c:v>
                 </c:pt>
                 <c:pt idx="67">
-                  <c:v>-0.00723088393921154</c:v>
+                  <c:v>-0.007</c:v>
                 </c:pt>
                 <c:pt idx="68">
-                  <c:v>-0.00707436582494322</c:v>
+                  <c:v>-0.007</c:v>
                 </c:pt>
                 <c:pt idx="69">
-                  <c:v>-0.00691969007729421</c:v>
+                  <c:v>-0.00800000000000001</c:v>
                 </c:pt>
                 <c:pt idx="70">
-                  <c:v>-0.00676736261641772</c:v>
+                  <c:v>-0.00900000000000001</c:v>
                 </c:pt>
                 <c:pt idx="71">
-                  <c:v>-0.00661680502896184</c:v>
+                  <c:v>-0.00900000000000001</c:v>
                 </c:pt>
                 <c:pt idx="72">
-                  <c:v>-0.00646948410212145</c:v>
+                  <c:v>-0.01</c:v>
                 </c:pt>
                 <c:pt idx="73">
-                  <c:v>-0.00632162673490419</c:v>
+                  <c:v>-0.011</c:v>
                 </c:pt>
                 <c:pt idx="74">
-                  <c:v>-0.0062541591726849</c:v>
+                  <c:v>-0.012</c:v>
                 </c:pt>
                 <c:pt idx="75">
-                  <c:v>-0.00695681281845662</c:v>
+                  <c:v>-0.013</c:v>
                 </c:pt>
                 <c:pt idx="76">
-                  <c:v>-0.00760919722417638</c:v>
+                  <c:v>-0.014</c:v>
                 </c:pt>
                 <c:pt idx="77">
-                  <c:v>-0.00796199709959536</c:v>
+                  <c:v>-0.015</c:v>
                 </c:pt>
                 <c:pt idx="78">
-                  <c:v>-0.00831712328632228</c:v>
+                  <c:v>-0.015</c:v>
                 </c:pt>
                 <c:pt idx="79">
-                  <c:v>-0.00869529784256434</c:v>
+                  <c:v>-0.016</c:v>
                 </c:pt>
                 <c:pt idx="80">
-                  <c:v>-0.00909538907864277</c:v>
+                  <c:v>-0.017</c:v>
                 </c:pt>
                 <c:pt idx="81">
-                  <c:v>-0.00946549297674171</c:v>
+                  <c:v>-0.018</c:v>
                 </c:pt>
                 <c:pt idx="82">
-                  <c:v>-0.00987856757283295</c:v>
+                  <c:v>-0.018</c:v>
                 </c:pt>
                 <c:pt idx="83">
-                  <c:v>-0.0102938772170532</c:v>
+                  <c:v>-0.019</c:v>
                 </c:pt>
                 <c:pt idx="84">
-                  <c:v>-0.0107438885070716</c:v>
+                  <c:v>-0.02</c:v>
                 </c:pt>
                 <c:pt idx="85">
-                  <c:v>-0.0112229327400988</c:v>
+                  <c:v>-0.021</c:v>
                 </c:pt>
                 <c:pt idx="86">
-                  <c:v>-0.0116961109136619</c:v>
+                  <c:v>-0.021</c:v>
                 </c:pt>
                 <c:pt idx="87">
-                  <c:v>-0.0119683162485205</c:v>
+                  <c:v>-0.023</c:v>
                 </c:pt>
                 <c:pt idx="88">
-                  <c:v>-0.0122732791698981</c:v>
+                  <c:v>-0.023</c:v>
                 </c:pt>
                 <c:pt idx="89">
-                  <c:v>-0.0127140364747256</c:v>
+                  <c:v>-0.024</c:v>
                 </c:pt>
                 <c:pt idx="90">
-                  <c:v>-0.0131408863672359</c:v>
+                  <c:v>-0.025</c:v>
                 </c:pt>
                 <c:pt idx="91">
-                  <c:v>-0.0136303391218633</c:v>
+                  <c:v>-0.026</c:v>
                 </c:pt>
                 <c:pt idx="92">
-                  <c:v>-0.0140630615134964</c:v>
+                  <c:v>-0.029</c:v>
                 </c:pt>
                 <c:pt idx="93">
-                  <c:v>-0.0145344229251969</c:v>
+                  <c:v>-0.035</c:v>
                 </c:pt>
                 <c:pt idx="94">
-                  <c:v>-0.014980220943482</c:v>
+                  <c:v>-0.034</c:v>
                 </c:pt>
                 <c:pt idx="95">
-                  <c:v>-0.0163687145314699</c:v>
+                  <c:v>-0.031</c:v>
                 </c:pt>
                 <c:pt idx="96">
-                  <c:v>-0.0188538511842585</c:v>
+                  <c:v>-0.028</c:v>
                 </c:pt>
                 <c:pt idx="97">
-                  <c:v>-0.0178713218589719</c:v>
+                  <c:v>-0.025</c:v>
                 </c:pt>
                 <c:pt idx="98">
-                  <c:v>-0.016777235642325</c:v>
+                  <c:v>-0.02</c:v>
                 </c:pt>
                 <c:pt idx="99">
-                  <c:v>-0.0126694805606999</c:v>
+                  <c:v>-0.012</c:v>
                 </c:pt>
                 <c:pt idx="100">
                   <c:v>-0.00763906889282068</c:v>
@@ -4667,11 +4668,11 @@
         </c:dLbls>
         <c:marker val="1"/>
         <c:smooth val="0"/>
-        <c:axId val="-2017053880"/>
-        <c:axId val="-2017050808"/>
+        <c:axId val="-2082937320"/>
+        <c:axId val="-2082942600"/>
       </c:lineChart>
       <c:catAx>
-        <c:axId val="-2017053880"/>
+        <c:axId val="-2082937320"/>
         <c:scaling>
           <c:orientation val="minMax"/>
         </c:scaling>
@@ -4681,7 +4682,7 @@
         <c:majorTickMark val="in"/>
         <c:minorTickMark val="none"/>
         <c:tickLblPos val="none"/>
-        <c:crossAx val="-2017050808"/>
+        <c:crossAx val="-2082942600"/>
         <c:crosses val="autoZero"/>
         <c:auto val="1"/>
         <c:lblAlgn val="ctr"/>
@@ -4691,11 +4692,11 @@
         <c:noMultiLvlLbl val="0"/>
       </c:catAx>
       <c:valAx>
-        <c:axId val="-2017050808"/>
+        <c:axId val="-2082942600"/>
         <c:scaling>
           <c:orientation val="minMax"/>
           <c:max val="0.0"/>
-          <c:min val="-0.02"/>
+          <c:min val="-0.04"/>
         </c:scaling>
         <c:delete val="0"/>
         <c:axPos val="l"/>
@@ -4727,7 +4728,7 @@
             <a:endParaRPr lang="en-US"/>
           </a:p>
         </c:txPr>
-        <c:crossAx val="-2017053880"/>
+        <c:crossAx val="-2082937320"/>
         <c:crosses val="autoZero"/>
         <c:crossBetween val="between"/>
         <c:majorUnit val="0.01"/>
@@ -5390,11 +5391,11 @@
         </c:dLbls>
         <c:marker val="1"/>
         <c:smooth val="0"/>
-        <c:axId val="-2016444376"/>
-        <c:axId val="-2016441160"/>
+        <c:axId val="-2017159128"/>
+        <c:axId val="-2016799624"/>
       </c:lineChart>
       <c:catAx>
-        <c:axId val="-2016444376"/>
+        <c:axId val="-2017159128"/>
         <c:scaling>
           <c:orientation val="minMax"/>
         </c:scaling>
@@ -5417,7 +5418,7 @@
             <a:endParaRPr lang="en-US"/>
           </a:p>
         </c:txPr>
-        <c:crossAx val="-2016441160"/>
+        <c:crossAx val="-2016799624"/>
         <c:crosses val="autoZero"/>
         <c:auto val="1"/>
         <c:lblAlgn val="ctr"/>
@@ -5427,7 +5428,7 @@
         <c:noMultiLvlLbl val="1"/>
       </c:catAx>
       <c:valAx>
-        <c:axId val="-2016441160"/>
+        <c:axId val="-2016799624"/>
         <c:scaling>
           <c:orientation val="minMax"/>
           <c:min val="0.054"/>
@@ -5464,7 +5465,7 @@
             <a:endParaRPr lang="en-US"/>
           </a:p>
         </c:txPr>
-        <c:crossAx val="-2016444376"/>
+        <c:crossAx val="-2017159128"/>
         <c:crosses val="autoZero"/>
         <c:crossBetween val="midCat"/>
       </c:valAx>
@@ -6074,11 +6075,11 @@
         </c:dLbls>
         <c:gapWidth val="0"/>
         <c:overlap val="100"/>
-        <c:axId val="-2073250184"/>
-        <c:axId val="-2073254520"/>
+        <c:axId val="2099383592"/>
+        <c:axId val="-2093192872"/>
       </c:barChart>
       <c:catAx>
-        <c:axId val="-2073250184"/>
+        <c:axId val="2099383592"/>
         <c:scaling>
           <c:orientation val="minMax"/>
         </c:scaling>
@@ -6098,7 +6099,7 @@
             <a:endParaRPr lang="en-US"/>
           </a:p>
         </c:txPr>
-        <c:crossAx val="-2073254520"/>
+        <c:crossAx val="-2093192872"/>
         <c:crossesAt val="-30.0"/>
         <c:auto val="1"/>
         <c:lblAlgn val="ctr"/>
@@ -6106,7 +6107,7 @@
         <c:noMultiLvlLbl val="0"/>
       </c:catAx>
       <c:valAx>
-        <c:axId val="-2073254520"/>
+        <c:axId val="-2093192872"/>
         <c:scaling>
           <c:orientation val="minMax"/>
         </c:scaling>
@@ -6127,7 +6128,7 @@
             <a:endParaRPr lang="en-US"/>
           </a:p>
         </c:txPr>
-        <c:crossAx val="-2073250184"/>
+        <c:crossAx val="2099383592"/>
         <c:crosses val="autoZero"/>
         <c:crossBetween val="between"/>
       </c:valAx>
@@ -6273,7 +6274,7 @@
                   <c:v>-593.59</c:v>
                 </c:pt>
                 <c:pt idx="8">
-                  <c:v>-618.9399999999996</c:v>
+                  <c:v>-618.9399999999994</c:v>
                 </c:pt>
               </c:numCache>
             </c:numRef>
@@ -6698,11 +6699,11 @@
         </c:dLbls>
         <c:gapWidth val="219"/>
         <c:overlap val="-27"/>
-        <c:axId val="-2073421576"/>
-        <c:axId val="-2073436216"/>
+        <c:axId val="-2051958088"/>
+        <c:axId val="-2086719928"/>
       </c:barChart>
       <c:catAx>
-        <c:axId val="-2073421576"/>
+        <c:axId val="-2051958088"/>
         <c:scaling>
           <c:orientation val="minMax"/>
         </c:scaling>
@@ -6712,7 +6713,7 @@
         <c:majorTickMark val="none"/>
         <c:minorTickMark val="none"/>
         <c:tickLblPos val="nextTo"/>
-        <c:crossAx val="-2073436216"/>
+        <c:crossAx val="-2086719928"/>
         <c:crossesAt val="0.0"/>
         <c:auto val="1"/>
         <c:lblAlgn val="ctr"/>
@@ -6720,7 +6721,7 @@
         <c:noMultiLvlLbl val="0"/>
       </c:catAx>
       <c:valAx>
-        <c:axId val="-2073436216"/>
+        <c:axId val="-2086719928"/>
         <c:scaling>
           <c:orientation val="minMax"/>
           <c:max val="0.0"/>
@@ -6770,7 +6771,7 @@
             <a:endParaRPr lang="en-US"/>
           </a:p>
         </c:txPr>
-        <c:crossAx val="-2073421576"/>
+        <c:crossAx val="-2051958088"/>
         <c:crosses val="autoZero"/>
         <c:crossBetween val="between"/>
         <c:majorUnit val="1000.0"/>
@@ -6805,6 +6806,2237 @@
     </a:p>
   </c:txPr>
   <c:externalData r:id="rId1">
+    <c:autoUpdate val="0"/>
+  </c:externalData>
+</c:chartSpace>
+</file>
+
+<file path=ppt/charts/chart8.xml><?xml version="1.0" encoding="utf-8"?>
+<c:chartSpace xmlns:c="http://schemas.openxmlformats.org/drawingml/2006/chart" xmlns:a="http://schemas.openxmlformats.org/drawingml/2006/main" xmlns:r="http://schemas.openxmlformats.org/officeDocument/2006/relationships">
+  <c:date1904 val="0"/>
+  <c:lang val="en-US"/>
+  <c:roundedCorners val="0"/>
+  <mc:AlternateContent xmlns:mc="http://schemas.openxmlformats.org/markup-compatibility/2006">
+    <mc:Choice xmlns:c14="http://schemas.microsoft.com/office/drawing/2007/8/2/chart" Requires="c14">
+      <c14:style val="118"/>
+    </mc:Choice>
+    <mc:Fallback>
+      <c:style val="18"/>
+    </mc:Fallback>
+  </mc:AlternateContent>
+  <c:chart>
+    <c:autoTitleDeleted val="0"/>
+    <c:plotArea>
+      <c:layout>
+        <c:manualLayout>
+          <c:layoutTarget val="inner"/>
+          <c:xMode val="edge"/>
+          <c:yMode val="edge"/>
+          <c:x val="0.0931444881510236"/>
+          <c:y val="0.0420820484599975"/>
+          <c:w val="0.873094989499431"/>
+          <c:h val="0.829619264066955"/>
+        </c:manualLayout>
+      </c:layout>
+      <c:lineChart>
+        <c:grouping val="standard"/>
+        <c:varyColors val="0"/>
+        <c:ser>
+          <c:idx val="0"/>
+          <c:order val="0"/>
+          <c:tx>
+            <c:strRef>
+              <c:f>Sheet1!$B$1</c:f>
+              <c:strCache>
+                <c:ptCount val="1"/>
+                <c:pt idx="0">
+                  <c:v>Bracket creep effect</c:v>
+                </c:pt>
+              </c:strCache>
+            </c:strRef>
+          </c:tx>
+          <c:spPr>
+            <a:ln>
+              <a:solidFill>
+                <a:schemeClr val="accent1"/>
+              </a:solidFill>
+            </a:ln>
+          </c:spPr>
+          <c:marker>
+            <c:symbol val="none"/>
+          </c:marker>
+          <c:cat>
+            <c:numRef>
+              <c:f>Sheet1!$A$2:$A$102</c:f>
+              <c:numCache>
+                <c:formatCode>General</c:formatCode>
+                <c:ptCount val="101"/>
+                <c:pt idx="0">
+                  <c:v>0.0</c:v>
+                </c:pt>
+                <c:pt idx="1">
+                  <c:v>1.0</c:v>
+                </c:pt>
+                <c:pt idx="2">
+                  <c:v>2.0</c:v>
+                </c:pt>
+                <c:pt idx="3">
+                  <c:v>3.0</c:v>
+                </c:pt>
+                <c:pt idx="4">
+                  <c:v>4.0</c:v>
+                </c:pt>
+                <c:pt idx="5">
+                  <c:v>5.0</c:v>
+                </c:pt>
+                <c:pt idx="6">
+                  <c:v>6.0</c:v>
+                </c:pt>
+                <c:pt idx="7">
+                  <c:v>7.0</c:v>
+                </c:pt>
+                <c:pt idx="8">
+                  <c:v>8.0</c:v>
+                </c:pt>
+                <c:pt idx="9">
+                  <c:v>9.0</c:v>
+                </c:pt>
+                <c:pt idx="10">
+                  <c:v>10.0</c:v>
+                </c:pt>
+                <c:pt idx="11">
+                  <c:v>11.0</c:v>
+                </c:pt>
+                <c:pt idx="12">
+                  <c:v>12.0</c:v>
+                </c:pt>
+                <c:pt idx="13">
+                  <c:v>13.0</c:v>
+                </c:pt>
+                <c:pt idx="14">
+                  <c:v>14.0</c:v>
+                </c:pt>
+                <c:pt idx="15">
+                  <c:v>15.0</c:v>
+                </c:pt>
+                <c:pt idx="16">
+                  <c:v>16.0</c:v>
+                </c:pt>
+                <c:pt idx="17">
+                  <c:v>17.0</c:v>
+                </c:pt>
+                <c:pt idx="18">
+                  <c:v>18.0</c:v>
+                </c:pt>
+                <c:pt idx="19">
+                  <c:v>19.0</c:v>
+                </c:pt>
+                <c:pt idx="20">
+                  <c:v>20.0</c:v>
+                </c:pt>
+                <c:pt idx="21">
+                  <c:v>21.0</c:v>
+                </c:pt>
+                <c:pt idx="22">
+                  <c:v>22.0</c:v>
+                </c:pt>
+                <c:pt idx="23">
+                  <c:v>23.0</c:v>
+                </c:pt>
+                <c:pt idx="24">
+                  <c:v>24.0</c:v>
+                </c:pt>
+                <c:pt idx="25">
+                  <c:v>25.0</c:v>
+                </c:pt>
+                <c:pt idx="26">
+                  <c:v>26.0</c:v>
+                </c:pt>
+                <c:pt idx="27">
+                  <c:v>27.0</c:v>
+                </c:pt>
+                <c:pt idx="28">
+                  <c:v>28.0</c:v>
+                </c:pt>
+                <c:pt idx="29">
+                  <c:v>29.0</c:v>
+                </c:pt>
+                <c:pt idx="30">
+                  <c:v>30.0</c:v>
+                </c:pt>
+                <c:pt idx="31">
+                  <c:v>31.0</c:v>
+                </c:pt>
+                <c:pt idx="32">
+                  <c:v>32.0</c:v>
+                </c:pt>
+                <c:pt idx="33">
+                  <c:v>33.0</c:v>
+                </c:pt>
+                <c:pt idx="34">
+                  <c:v>34.0</c:v>
+                </c:pt>
+                <c:pt idx="35">
+                  <c:v>35.0</c:v>
+                </c:pt>
+                <c:pt idx="36">
+                  <c:v>36.0</c:v>
+                </c:pt>
+                <c:pt idx="37">
+                  <c:v>37.0</c:v>
+                </c:pt>
+                <c:pt idx="38">
+                  <c:v>38.0</c:v>
+                </c:pt>
+                <c:pt idx="39">
+                  <c:v>39.0</c:v>
+                </c:pt>
+                <c:pt idx="40">
+                  <c:v>40.0</c:v>
+                </c:pt>
+                <c:pt idx="41">
+                  <c:v>41.0</c:v>
+                </c:pt>
+                <c:pt idx="42">
+                  <c:v>42.0</c:v>
+                </c:pt>
+                <c:pt idx="43">
+                  <c:v>43.0</c:v>
+                </c:pt>
+                <c:pt idx="44">
+                  <c:v>44.0</c:v>
+                </c:pt>
+                <c:pt idx="45">
+                  <c:v>45.0</c:v>
+                </c:pt>
+                <c:pt idx="46">
+                  <c:v>46.0</c:v>
+                </c:pt>
+                <c:pt idx="47">
+                  <c:v>47.0</c:v>
+                </c:pt>
+                <c:pt idx="48">
+                  <c:v>48.0</c:v>
+                </c:pt>
+                <c:pt idx="49">
+                  <c:v>49.0</c:v>
+                </c:pt>
+                <c:pt idx="50">
+                  <c:v>50.0</c:v>
+                </c:pt>
+                <c:pt idx="51">
+                  <c:v>51.0</c:v>
+                </c:pt>
+                <c:pt idx="52">
+                  <c:v>52.0</c:v>
+                </c:pt>
+                <c:pt idx="53">
+                  <c:v>53.0</c:v>
+                </c:pt>
+                <c:pt idx="54">
+                  <c:v>54.0</c:v>
+                </c:pt>
+                <c:pt idx="55">
+                  <c:v>55.0</c:v>
+                </c:pt>
+                <c:pt idx="56">
+                  <c:v>56.0</c:v>
+                </c:pt>
+                <c:pt idx="57">
+                  <c:v>57.0</c:v>
+                </c:pt>
+                <c:pt idx="58">
+                  <c:v>58.0</c:v>
+                </c:pt>
+                <c:pt idx="59">
+                  <c:v>59.0</c:v>
+                </c:pt>
+                <c:pt idx="60">
+                  <c:v>60.0</c:v>
+                </c:pt>
+                <c:pt idx="61">
+                  <c:v>61.0</c:v>
+                </c:pt>
+                <c:pt idx="62">
+                  <c:v>62.0</c:v>
+                </c:pt>
+                <c:pt idx="63">
+                  <c:v>63.0</c:v>
+                </c:pt>
+                <c:pt idx="64">
+                  <c:v>64.0</c:v>
+                </c:pt>
+                <c:pt idx="65">
+                  <c:v>65.0</c:v>
+                </c:pt>
+                <c:pt idx="66">
+                  <c:v>66.0</c:v>
+                </c:pt>
+                <c:pt idx="67">
+                  <c:v>67.0</c:v>
+                </c:pt>
+                <c:pt idx="68">
+                  <c:v>68.0</c:v>
+                </c:pt>
+                <c:pt idx="69">
+                  <c:v>69.0</c:v>
+                </c:pt>
+                <c:pt idx="70">
+                  <c:v>70.0</c:v>
+                </c:pt>
+                <c:pt idx="71">
+                  <c:v>71.0</c:v>
+                </c:pt>
+                <c:pt idx="72">
+                  <c:v>72.0</c:v>
+                </c:pt>
+                <c:pt idx="73">
+                  <c:v>73.0</c:v>
+                </c:pt>
+                <c:pt idx="74">
+                  <c:v>74.0</c:v>
+                </c:pt>
+                <c:pt idx="75">
+                  <c:v>75.0</c:v>
+                </c:pt>
+                <c:pt idx="76">
+                  <c:v>76.0</c:v>
+                </c:pt>
+                <c:pt idx="77">
+                  <c:v>77.0</c:v>
+                </c:pt>
+                <c:pt idx="78">
+                  <c:v>78.0</c:v>
+                </c:pt>
+                <c:pt idx="79">
+                  <c:v>79.0</c:v>
+                </c:pt>
+                <c:pt idx="80">
+                  <c:v>80.0</c:v>
+                </c:pt>
+                <c:pt idx="81">
+                  <c:v>81.0</c:v>
+                </c:pt>
+                <c:pt idx="82">
+                  <c:v>82.0</c:v>
+                </c:pt>
+                <c:pt idx="83">
+                  <c:v>83.0</c:v>
+                </c:pt>
+                <c:pt idx="84">
+                  <c:v>84.0</c:v>
+                </c:pt>
+                <c:pt idx="85">
+                  <c:v>85.0</c:v>
+                </c:pt>
+                <c:pt idx="86">
+                  <c:v>86.0</c:v>
+                </c:pt>
+                <c:pt idx="87">
+                  <c:v>87.0</c:v>
+                </c:pt>
+                <c:pt idx="88">
+                  <c:v>88.0</c:v>
+                </c:pt>
+                <c:pt idx="89">
+                  <c:v>89.0</c:v>
+                </c:pt>
+                <c:pt idx="90">
+                  <c:v>90.0</c:v>
+                </c:pt>
+                <c:pt idx="91">
+                  <c:v>91.0</c:v>
+                </c:pt>
+                <c:pt idx="92">
+                  <c:v>92.0</c:v>
+                </c:pt>
+                <c:pt idx="93">
+                  <c:v>93.0</c:v>
+                </c:pt>
+                <c:pt idx="94">
+                  <c:v>94.0</c:v>
+                </c:pt>
+                <c:pt idx="95">
+                  <c:v>95.0</c:v>
+                </c:pt>
+                <c:pt idx="96">
+                  <c:v>96.0</c:v>
+                </c:pt>
+                <c:pt idx="97">
+                  <c:v>97.0</c:v>
+                </c:pt>
+                <c:pt idx="98">
+                  <c:v>98.0</c:v>
+                </c:pt>
+                <c:pt idx="99">
+                  <c:v>99.0</c:v>
+                </c:pt>
+                <c:pt idx="100">
+                  <c:v>100.0</c:v>
+                </c:pt>
+              </c:numCache>
+            </c:numRef>
+          </c:cat>
+          <c:val>
+            <c:numRef>
+              <c:f>Sheet1!$B$2:$B$102</c:f>
+              <c:numCache>
+                <c:formatCode>0.0%</c:formatCode>
+                <c:ptCount val="101"/>
+                <c:pt idx="0">
+                  <c:v>0.0</c:v>
+                </c:pt>
+                <c:pt idx="1">
+                  <c:v>0.0</c:v>
+                </c:pt>
+                <c:pt idx="2">
+                  <c:v>0.0</c:v>
+                </c:pt>
+                <c:pt idx="3">
+                  <c:v>0.0</c:v>
+                </c:pt>
+                <c:pt idx="4">
+                  <c:v>0.0</c:v>
+                </c:pt>
+                <c:pt idx="5">
+                  <c:v>0.0</c:v>
+                </c:pt>
+                <c:pt idx="6">
+                  <c:v>0.0</c:v>
+                </c:pt>
+                <c:pt idx="7">
+                  <c:v>0.0</c:v>
+                </c:pt>
+                <c:pt idx="8">
+                  <c:v>0.0</c:v>
+                </c:pt>
+                <c:pt idx="9">
+                  <c:v>0.0</c:v>
+                </c:pt>
+                <c:pt idx="10">
+                  <c:v>0.0</c:v>
+                </c:pt>
+                <c:pt idx="11">
+                  <c:v>0.0</c:v>
+                </c:pt>
+                <c:pt idx="12">
+                  <c:v>0.0</c:v>
+                </c:pt>
+                <c:pt idx="13">
+                  <c:v>0.0</c:v>
+                </c:pt>
+                <c:pt idx="14">
+                  <c:v>0.0</c:v>
+                </c:pt>
+                <c:pt idx="15">
+                  <c:v>0.0</c:v>
+                </c:pt>
+                <c:pt idx="16">
+                  <c:v>0.0</c:v>
+                </c:pt>
+                <c:pt idx="17">
+                  <c:v>0.0</c:v>
+                </c:pt>
+                <c:pt idx="18">
+                  <c:v>0.0</c:v>
+                </c:pt>
+                <c:pt idx="19">
+                  <c:v>0.000133996125879889</c:v>
+                </c:pt>
+                <c:pt idx="20">
+                  <c:v>0.0049307681367638</c:v>
+                </c:pt>
+                <c:pt idx="21">
+                  <c:v>0.0116939126171804</c:v>
+                </c:pt>
+                <c:pt idx="22">
+                  <c:v>0.0186741125679733</c:v>
+                </c:pt>
+                <c:pt idx="23">
+                  <c:v>0.0228026922526118</c:v>
+                </c:pt>
+                <c:pt idx="24">
+                  <c:v>0.0240966228421773</c:v>
+                </c:pt>
+                <c:pt idx="25">
+                  <c:v>0.0251584364210272</c:v>
+                </c:pt>
+                <c:pt idx="26">
+                  <c:v>0.0253754083905951</c:v>
+                </c:pt>
+                <c:pt idx="27">
+                  <c:v>0.0248767366016515</c:v>
+                </c:pt>
+                <c:pt idx="28">
+                  <c:v>0.0239961495744618</c:v>
+                </c:pt>
+                <c:pt idx="29">
+                  <c:v>0.0220504573988665</c:v>
+                </c:pt>
+                <c:pt idx="30">
+                  <c:v>0.0194792680396533</c:v>
+                </c:pt>
+                <c:pt idx="31">
+                  <c:v>0.0189723904652217</c:v>
+                </c:pt>
+                <c:pt idx="32">
+                  <c:v>0.0186123458456566</c:v>
+                </c:pt>
+                <c:pt idx="33">
+                  <c:v>0.0182059497665188</c:v>
+                </c:pt>
+                <c:pt idx="34">
+                  <c:v>0.0180952135363187</c:v>
+                </c:pt>
+                <c:pt idx="35">
+                  <c:v>0.020379150212249</c:v>
+                </c:pt>
+                <c:pt idx="36">
+                  <c:v>0.0210577418363424</c:v>
+                </c:pt>
+                <c:pt idx="37">
+                  <c:v>0.0236605047589035</c:v>
+                </c:pt>
+                <c:pt idx="38">
+                  <c:v>0.0281564859187324</c:v>
+                </c:pt>
+                <c:pt idx="39">
+                  <c:v>0.0325995369684068</c:v>
+                </c:pt>
+                <c:pt idx="40">
+                  <c:v>0.0346958803313378</c:v>
+                </c:pt>
+                <c:pt idx="41">
+                  <c:v>0.0368815584229282</c:v>
+                </c:pt>
+                <c:pt idx="42">
+                  <c:v>0.0379698827485131</c:v>
+                </c:pt>
+                <c:pt idx="43">
+                  <c:v>0.0370707229638726</c:v>
+                </c:pt>
+                <c:pt idx="44">
+                  <c:v>0.0357886038352136</c:v>
+                </c:pt>
+                <c:pt idx="45">
+                  <c:v>0.0354010231431835</c:v>
+                </c:pt>
+                <c:pt idx="46">
+                  <c:v>0.034200919876151</c:v>
+                </c:pt>
+                <c:pt idx="47">
+                  <c:v>0.0334939678830294</c:v>
+                </c:pt>
+                <c:pt idx="48">
+                  <c:v>0.0329250003250983</c:v>
+                </c:pt>
+                <c:pt idx="49">
+                  <c:v>0.0318875310686022</c:v>
+                </c:pt>
+                <c:pt idx="50">
+                  <c:v>0.0312410443048484</c:v>
+                </c:pt>
+                <c:pt idx="51">
+                  <c:v>0.0304221667931698</c:v>
+                </c:pt>
+                <c:pt idx="52">
+                  <c:v>0.0296465239550578</c:v>
+                </c:pt>
+                <c:pt idx="53">
+                  <c:v>0.0290030736967199</c:v>
+                </c:pt>
+                <c:pt idx="54">
+                  <c:v>0.0283458893851601</c:v>
+                </c:pt>
+                <c:pt idx="55">
+                  <c:v>0.0274829401261804</c:v>
+                </c:pt>
+                <c:pt idx="56">
+                  <c:v>0.0269102954805871</c:v>
+                </c:pt>
+                <c:pt idx="57">
+                  <c:v>0.026607531790499</c:v>
+                </c:pt>
+                <c:pt idx="58">
+                  <c:v>0.0261659984478865</c:v>
+                </c:pt>
+                <c:pt idx="59">
+                  <c:v>0.025742326304866</c:v>
+                </c:pt>
+                <c:pt idx="60">
+                  <c:v>0.0252545824432693</c:v>
+                </c:pt>
+                <c:pt idx="61">
+                  <c:v>0.0247119727871912</c:v>
+                </c:pt>
+                <c:pt idx="62">
+                  <c:v>0.0243437567458967</c:v>
+                </c:pt>
+                <c:pt idx="63">
+                  <c:v>0.0238268318665462</c:v>
+                </c:pt>
+                <c:pt idx="64">
+                  <c:v>0.0230380092237415</c:v>
+                </c:pt>
+                <c:pt idx="65">
+                  <c:v>0.0223399344098254</c:v>
+                </c:pt>
+                <c:pt idx="66">
+                  <c:v>0.0216764234509875</c:v>
+                </c:pt>
+                <c:pt idx="67">
+                  <c:v>0.0209883069433587</c:v>
+                </c:pt>
+                <c:pt idx="68">
+                  <c:v>0.0203162365853058</c:v>
+                </c:pt>
+                <c:pt idx="69">
+                  <c:v>0.0197287992970752</c:v>
+                </c:pt>
+                <c:pt idx="70">
+                  <c:v>0.019130726261367</c:v>
+                </c:pt>
+                <c:pt idx="71">
+                  <c:v>0.0187966342006628</c:v>
+                </c:pt>
+                <c:pt idx="72">
+                  <c:v>0.018443045573928</c:v>
+                </c:pt>
+                <c:pt idx="73">
+                  <c:v>0.0182046818544166</c:v>
+                </c:pt>
+                <c:pt idx="74">
+                  <c:v>0.0179439393912405</c:v>
+                </c:pt>
+                <c:pt idx="75">
+                  <c:v>0.0185257751934349</c:v>
+                </c:pt>
+                <c:pt idx="76">
+                  <c:v>0.0192236320068661</c:v>
+                </c:pt>
+                <c:pt idx="77">
+                  <c:v>0.0200714309448481</c:v>
+                </c:pt>
+                <c:pt idx="78">
+                  <c:v>0.0208013801726815</c:v>
+                </c:pt>
+                <c:pt idx="79">
+                  <c:v>0.0214870303345876</c:v>
+                </c:pt>
+                <c:pt idx="80">
+                  <c:v>0.0221319898464657</c:v>
+                </c:pt>
+                <c:pt idx="81">
+                  <c:v>0.0229350853377147</c:v>
+                </c:pt>
+                <c:pt idx="82">
+                  <c:v>0.0228287553157028</c:v>
+                </c:pt>
+                <c:pt idx="83">
+                  <c:v>0.0223687729370763</c:v>
+                </c:pt>
+                <c:pt idx="84">
+                  <c:v>0.0218842227517369</c:v>
+                </c:pt>
+                <c:pt idx="85">
+                  <c:v>0.0215407920194802</c:v>
+                </c:pt>
+                <c:pt idx="86">
+                  <c:v>0.0210967028609361</c:v>
+                </c:pt>
+                <c:pt idx="87">
+                  <c:v>0.0206535077618917</c:v>
+                </c:pt>
+                <c:pt idx="88">
+                  <c:v>0.0201883547100449</c:v>
+                </c:pt>
+                <c:pt idx="89">
+                  <c:v>0.0196658136212649</c:v>
+                </c:pt>
+                <c:pt idx="90">
+                  <c:v>0.0189849448818085</c:v>
+                </c:pt>
+                <c:pt idx="91">
+                  <c:v>0.0181449841325463</c:v>
+                </c:pt>
+                <c:pt idx="92">
+                  <c:v>0.0174318366573233</c:v>
+                </c:pt>
+                <c:pt idx="93">
+                  <c:v>0.0165729690708048</c:v>
+                </c:pt>
+                <c:pt idx="94">
+                  <c:v>0.015668614794821</c:v>
+                </c:pt>
+                <c:pt idx="95">
+                  <c:v>0.0167687819320444</c:v>
+                </c:pt>
+                <c:pt idx="96">
+                  <c:v>0.0218398538505454</c:v>
+                </c:pt>
+                <c:pt idx="97">
+                  <c:v>0.0255847769549868</c:v>
+                </c:pt>
+                <c:pt idx="98">
+                  <c:v>0.0229843083723075</c:v>
+                </c:pt>
+                <c:pt idx="99">
+                  <c:v>0.0154540485486835</c:v>
+                </c:pt>
+                <c:pt idx="100">
+                  <c:v>0.0104723888621149</c:v>
+                </c:pt>
+              </c:numCache>
+            </c:numRef>
+          </c:val>
+          <c:smooth val="0"/>
+          <c:extLst xmlns:c16r2="http://schemas.microsoft.com/office/drawing/2015/06/chart">
+            <c:ext xmlns:c16="http://schemas.microsoft.com/office/drawing/2014/chart" uri="{C3380CC4-5D6E-409C-BE32-E72D297353CC}">
+              <c16:uniqueId val="{00000000-01AE-4414-91C9-07E605799FBB}"/>
+            </c:ext>
+          </c:extLst>
+        </c:ser>
+        <c:ser>
+          <c:idx val="1"/>
+          <c:order val="1"/>
+          <c:tx>
+            <c:strRef>
+              <c:f>Sheet1!$C$1</c:f>
+              <c:strCache>
+                <c:ptCount val="1"/>
+                <c:pt idx="0">
+                  <c:v>Net change inc PIT</c:v>
+                </c:pt>
+              </c:strCache>
+            </c:strRef>
+          </c:tx>
+          <c:spPr>
+            <a:ln>
+              <a:solidFill>
+                <a:schemeClr val="bg2"/>
+              </a:solidFill>
+            </a:ln>
+          </c:spPr>
+          <c:marker>
+            <c:symbol val="none"/>
+          </c:marker>
+          <c:cat>
+            <c:numRef>
+              <c:f>Sheet1!$A$2:$A$102</c:f>
+              <c:numCache>
+                <c:formatCode>General</c:formatCode>
+                <c:ptCount val="101"/>
+                <c:pt idx="0">
+                  <c:v>0.0</c:v>
+                </c:pt>
+                <c:pt idx="1">
+                  <c:v>1.0</c:v>
+                </c:pt>
+                <c:pt idx="2">
+                  <c:v>2.0</c:v>
+                </c:pt>
+                <c:pt idx="3">
+                  <c:v>3.0</c:v>
+                </c:pt>
+                <c:pt idx="4">
+                  <c:v>4.0</c:v>
+                </c:pt>
+                <c:pt idx="5">
+                  <c:v>5.0</c:v>
+                </c:pt>
+                <c:pt idx="6">
+                  <c:v>6.0</c:v>
+                </c:pt>
+                <c:pt idx="7">
+                  <c:v>7.0</c:v>
+                </c:pt>
+                <c:pt idx="8">
+                  <c:v>8.0</c:v>
+                </c:pt>
+                <c:pt idx="9">
+                  <c:v>9.0</c:v>
+                </c:pt>
+                <c:pt idx="10">
+                  <c:v>10.0</c:v>
+                </c:pt>
+                <c:pt idx="11">
+                  <c:v>11.0</c:v>
+                </c:pt>
+                <c:pt idx="12">
+                  <c:v>12.0</c:v>
+                </c:pt>
+                <c:pt idx="13">
+                  <c:v>13.0</c:v>
+                </c:pt>
+                <c:pt idx="14">
+                  <c:v>14.0</c:v>
+                </c:pt>
+                <c:pt idx="15">
+                  <c:v>15.0</c:v>
+                </c:pt>
+                <c:pt idx="16">
+                  <c:v>16.0</c:v>
+                </c:pt>
+                <c:pt idx="17">
+                  <c:v>17.0</c:v>
+                </c:pt>
+                <c:pt idx="18">
+                  <c:v>18.0</c:v>
+                </c:pt>
+                <c:pt idx="19">
+                  <c:v>19.0</c:v>
+                </c:pt>
+                <c:pt idx="20">
+                  <c:v>20.0</c:v>
+                </c:pt>
+                <c:pt idx="21">
+                  <c:v>21.0</c:v>
+                </c:pt>
+                <c:pt idx="22">
+                  <c:v>22.0</c:v>
+                </c:pt>
+                <c:pt idx="23">
+                  <c:v>23.0</c:v>
+                </c:pt>
+                <c:pt idx="24">
+                  <c:v>24.0</c:v>
+                </c:pt>
+                <c:pt idx="25">
+                  <c:v>25.0</c:v>
+                </c:pt>
+                <c:pt idx="26">
+                  <c:v>26.0</c:v>
+                </c:pt>
+                <c:pt idx="27">
+                  <c:v>27.0</c:v>
+                </c:pt>
+                <c:pt idx="28">
+                  <c:v>28.0</c:v>
+                </c:pt>
+                <c:pt idx="29">
+                  <c:v>29.0</c:v>
+                </c:pt>
+                <c:pt idx="30">
+                  <c:v>30.0</c:v>
+                </c:pt>
+                <c:pt idx="31">
+                  <c:v>31.0</c:v>
+                </c:pt>
+                <c:pt idx="32">
+                  <c:v>32.0</c:v>
+                </c:pt>
+                <c:pt idx="33">
+                  <c:v>33.0</c:v>
+                </c:pt>
+                <c:pt idx="34">
+                  <c:v>34.0</c:v>
+                </c:pt>
+                <c:pt idx="35">
+                  <c:v>35.0</c:v>
+                </c:pt>
+                <c:pt idx="36">
+                  <c:v>36.0</c:v>
+                </c:pt>
+                <c:pt idx="37">
+                  <c:v>37.0</c:v>
+                </c:pt>
+                <c:pt idx="38">
+                  <c:v>38.0</c:v>
+                </c:pt>
+                <c:pt idx="39">
+                  <c:v>39.0</c:v>
+                </c:pt>
+                <c:pt idx="40">
+                  <c:v>40.0</c:v>
+                </c:pt>
+                <c:pt idx="41">
+                  <c:v>41.0</c:v>
+                </c:pt>
+                <c:pt idx="42">
+                  <c:v>42.0</c:v>
+                </c:pt>
+                <c:pt idx="43">
+                  <c:v>43.0</c:v>
+                </c:pt>
+                <c:pt idx="44">
+                  <c:v>44.0</c:v>
+                </c:pt>
+                <c:pt idx="45">
+                  <c:v>45.0</c:v>
+                </c:pt>
+                <c:pt idx="46">
+                  <c:v>46.0</c:v>
+                </c:pt>
+                <c:pt idx="47">
+                  <c:v>47.0</c:v>
+                </c:pt>
+                <c:pt idx="48">
+                  <c:v>48.0</c:v>
+                </c:pt>
+                <c:pt idx="49">
+                  <c:v>49.0</c:v>
+                </c:pt>
+                <c:pt idx="50">
+                  <c:v>50.0</c:v>
+                </c:pt>
+                <c:pt idx="51">
+                  <c:v>51.0</c:v>
+                </c:pt>
+                <c:pt idx="52">
+                  <c:v>52.0</c:v>
+                </c:pt>
+                <c:pt idx="53">
+                  <c:v>53.0</c:v>
+                </c:pt>
+                <c:pt idx="54">
+                  <c:v>54.0</c:v>
+                </c:pt>
+                <c:pt idx="55">
+                  <c:v>55.0</c:v>
+                </c:pt>
+                <c:pt idx="56">
+                  <c:v>56.0</c:v>
+                </c:pt>
+                <c:pt idx="57">
+                  <c:v>57.0</c:v>
+                </c:pt>
+                <c:pt idx="58">
+                  <c:v>58.0</c:v>
+                </c:pt>
+                <c:pt idx="59">
+                  <c:v>59.0</c:v>
+                </c:pt>
+                <c:pt idx="60">
+                  <c:v>60.0</c:v>
+                </c:pt>
+                <c:pt idx="61">
+                  <c:v>61.0</c:v>
+                </c:pt>
+                <c:pt idx="62">
+                  <c:v>62.0</c:v>
+                </c:pt>
+                <c:pt idx="63">
+                  <c:v>63.0</c:v>
+                </c:pt>
+                <c:pt idx="64">
+                  <c:v>64.0</c:v>
+                </c:pt>
+                <c:pt idx="65">
+                  <c:v>65.0</c:v>
+                </c:pt>
+                <c:pt idx="66">
+                  <c:v>66.0</c:v>
+                </c:pt>
+                <c:pt idx="67">
+                  <c:v>67.0</c:v>
+                </c:pt>
+                <c:pt idx="68">
+                  <c:v>68.0</c:v>
+                </c:pt>
+                <c:pt idx="69">
+                  <c:v>69.0</c:v>
+                </c:pt>
+                <c:pt idx="70">
+                  <c:v>70.0</c:v>
+                </c:pt>
+                <c:pt idx="71">
+                  <c:v>71.0</c:v>
+                </c:pt>
+                <c:pt idx="72">
+                  <c:v>72.0</c:v>
+                </c:pt>
+                <c:pt idx="73">
+                  <c:v>73.0</c:v>
+                </c:pt>
+                <c:pt idx="74">
+                  <c:v>74.0</c:v>
+                </c:pt>
+                <c:pt idx="75">
+                  <c:v>75.0</c:v>
+                </c:pt>
+                <c:pt idx="76">
+                  <c:v>76.0</c:v>
+                </c:pt>
+                <c:pt idx="77">
+                  <c:v>77.0</c:v>
+                </c:pt>
+                <c:pt idx="78">
+                  <c:v>78.0</c:v>
+                </c:pt>
+                <c:pt idx="79">
+                  <c:v>79.0</c:v>
+                </c:pt>
+                <c:pt idx="80">
+                  <c:v>80.0</c:v>
+                </c:pt>
+                <c:pt idx="81">
+                  <c:v>81.0</c:v>
+                </c:pt>
+                <c:pt idx="82">
+                  <c:v>82.0</c:v>
+                </c:pt>
+                <c:pt idx="83">
+                  <c:v>83.0</c:v>
+                </c:pt>
+                <c:pt idx="84">
+                  <c:v>84.0</c:v>
+                </c:pt>
+                <c:pt idx="85">
+                  <c:v>85.0</c:v>
+                </c:pt>
+                <c:pt idx="86">
+                  <c:v>86.0</c:v>
+                </c:pt>
+                <c:pt idx="87">
+                  <c:v>87.0</c:v>
+                </c:pt>
+                <c:pt idx="88">
+                  <c:v>88.0</c:v>
+                </c:pt>
+                <c:pt idx="89">
+                  <c:v>89.0</c:v>
+                </c:pt>
+                <c:pt idx="90">
+                  <c:v>90.0</c:v>
+                </c:pt>
+                <c:pt idx="91">
+                  <c:v>91.0</c:v>
+                </c:pt>
+                <c:pt idx="92">
+                  <c:v>92.0</c:v>
+                </c:pt>
+                <c:pt idx="93">
+                  <c:v>93.0</c:v>
+                </c:pt>
+                <c:pt idx="94">
+                  <c:v>94.0</c:v>
+                </c:pt>
+                <c:pt idx="95">
+                  <c:v>95.0</c:v>
+                </c:pt>
+                <c:pt idx="96">
+                  <c:v>96.0</c:v>
+                </c:pt>
+                <c:pt idx="97">
+                  <c:v>97.0</c:v>
+                </c:pt>
+                <c:pt idx="98">
+                  <c:v>98.0</c:v>
+                </c:pt>
+                <c:pt idx="99">
+                  <c:v>99.0</c:v>
+                </c:pt>
+                <c:pt idx="100">
+                  <c:v>100.0</c:v>
+                </c:pt>
+              </c:numCache>
+            </c:numRef>
+          </c:cat>
+          <c:val>
+            <c:numRef>
+              <c:f>Sheet1!$C$2:$C$102</c:f>
+              <c:numCache>
+                <c:formatCode>0.0%</c:formatCode>
+                <c:ptCount val="101"/>
+                <c:pt idx="0">
+                  <c:v>0.0</c:v>
+                </c:pt>
+                <c:pt idx="1">
+                  <c:v>0.0</c:v>
+                </c:pt>
+                <c:pt idx="2">
+                  <c:v>0.0</c:v>
+                </c:pt>
+                <c:pt idx="3">
+                  <c:v>0.0</c:v>
+                </c:pt>
+                <c:pt idx="4">
+                  <c:v>0.0</c:v>
+                </c:pt>
+                <c:pt idx="5">
+                  <c:v>0.0</c:v>
+                </c:pt>
+                <c:pt idx="6">
+                  <c:v>0.0</c:v>
+                </c:pt>
+                <c:pt idx="7">
+                  <c:v>0.0</c:v>
+                </c:pt>
+                <c:pt idx="8">
+                  <c:v>0.0</c:v>
+                </c:pt>
+                <c:pt idx="9">
+                  <c:v>0.0</c:v>
+                </c:pt>
+                <c:pt idx="10">
+                  <c:v>0.0</c:v>
+                </c:pt>
+                <c:pt idx="11">
+                  <c:v>0.0</c:v>
+                </c:pt>
+                <c:pt idx="12">
+                  <c:v>0.0</c:v>
+                </c:pt>
+                <c:pt idx="13">
+                  <c:v>0.0</c:v>
+                </c:pt>
+                <c:pt idx="14">
+                  <c:v>0.0</c:v>
+                </c:pt>
+                <c:pt idx="15">
+                  <c:v>0.0</c:v>
+                </c:pt>
+                <c:pt idx="16">
+                  <c:v>0.0</c:v>
+                </c:pt>
+                <c:pt idx="17">
+                  <c:v>0.0</c:v>
+                </c:pt>
+                <c:pt idx="18">
+                  <c:v>0.0</c:v>
+                </c:pt>
+                <c:pt idx="19">
+                  <c:v>3.68755814701598E-5</c:v>
+                </c:pt>
+                <c:pt idx="20">
+                  <c:v>0.00429327346035413</c:v>
+                </c:pt>
+                <c:pt idx="21">
+                  <c:v>0.0115531657658039</c:v>
+                </c:pt>
+                <c:pt idx="22">
+                  <c:v>0.0158512739959134</c:v>
+                </c:pt>
+                <c:pt idx="23">
+                  <c:v>0.0174561177103968</c:v>
+                </c:pt>
+                <c:pt idx="24">
+                  <c:v>0.018637472027417</c:v>
+                </c:pt>
+                <c:pt idx="25">
+                  <c:v>0.0190477420532321</c:v>
+                </c:pt>
+                <c:pt idx="26">
+                  <c:v>0.01876297008985</c:v>
+                </c:pt>
+                <c:pt idx="27">
+                  <c:v>0.0180629421884037</c:v>
+                </c:pt>
+                <c:pt idx="28">
+                  <c:v>0.0162798535601585</c:v>
+                </c:pt>
+                <c:pt idx="29">
+                  <c:v>0.0138584154831126</c:v>
+                </c:pt>
+                <c:pt idx="30">
+                  <c:v>0.0134779094717471</c:v>
+                </c:pt>
+                <c:pt idx="31">
+                  <c:v>0.0127127612401572</c:v>
+                </c:pt>
+                <c:pt idx="32">
+                  <c:v>0.0123500488738179</c:v>
+                </c:pt>
+                <c:pt idx="33">
+                  <c:v>0.0124071025114491</c:v>
+                </c:pt>
+                <c:pt idx="34">
+                  <c:v>0.0148573455525308</c:v>
+                </c:pt>
+                <c:pt idx="35">
+                  <c:v>0.0153944567832857</c:v>
+                </c:pt>
+                <c:pt idx="36">
+                  <c:v>0.0166185961569229</c:v>
+                </c:pt>
+                <c:pt idx="37">
+                  <c:v>0.019678734557184</c:v>
+                </c:pt>
+                <c:pt idx="38">
+                  <c:v>0.0227591923022663</c:v>
+                </c:pt>
+                <c:pt idx="39">
+                  <c:v>0.0239683264558462</c:v>
+                </c:pt>
+                <c:pt idx="40">
+                  <c:v>0.0260532174588396</c:v>
+                </c:pt>
+                <c:pt idx="41">
+                  <c:v>0.0270712503431956</c:v>
+                </c:pt>
+                <c:pt idx="42">
+                  <c:v>0.0261077762328836</c:v>
+                </c:pt>
+                <c:pt idx="43">
+                  <c:v>0.024776526828679</c:v>
+                </c:pt>
+                <c:pt idx="44">
+                  <c:v>0.0243357738448769</c:v>
+                </c:pt>
+                <c:pt idx="45">
+                  <c:v>0.0230887124162348</c:v>
+                </c:pt>
+                <c:pt idx="46">
+                  <c:v>0.0225097357294236</c:v>
+                </c:pt>
+                <c:pt idx="47">
+                  <c:v>0.0221742860796107</c:v>
+                </c:pt>
+                <c:pt idx="48">
+                  <c:v>0.0213696227123903</c:v>
+                </c:pt>
+                <c:pt idx="49">
+                  <c:v>0.0209346291201074</c:v>
+                </c:pt>
+                <c:pt idx="50">
+                  <c:v>0.0203325489814757</c:v>
+                </c:pt>
+                <c:pt idx="51">
+                  <c:v>0.0197611914067741</c:v>
+                </c:pt>
+                <c:pt idx="52">
+                  <c:v>0.0193179011593816</c:v>
+                </c:pt>
+                <c:pt idx="53">
+                  <c:v>0.018857694151443</c:v>
+                </c:pt>
+                <c:pt idx="54">
+                  <c:v>0.0181885826207162</c:v>
+                </c:pt>
+                <c:pt idx="55">
+                  <c:v>0.0178037575288708</c:v>
+                </c:pt>
+                <c:pt idx="56">
+                  <c:v>0.0176816478999092</c:v>
+                </c:pt>
+                <c:pt idx="57">
+                  <c:v>0.017423373889249</c:v>
+                </c:pt>
+                <c:pt idx="58">
+                  <c:v>0.0171776151622209</c:v>
+                </c:pt>
+                <c:pt idx="59">
+                  <c:v>0.0168674719565005</c:v>
+                </c:pt>
+                <c:pt idx="60">
+                  <c:v>0.0164951883018933</c:v>
+                </c:pt>
+                <c:pt idx="61">
+                  <c:v>0.0162947327140747</c:v>
+                </c:pt>
+                <c:pt idx="62">
+                  <c:v>0.0159454701217518</c:v>
+                </c:pt>
+                <c:pt idx="63">
+                  <c:v>0.0153218374214369</c:v>
+                </c:pt>
+                <c:pt idx="64">
+                  <c:v>0.0147871331872743</c:v>
+                </c:pt>
+                <c:pt idx="65">
+                  <c:v>0.0142858803694736</c:v>
+                </c:pt>
+                <c:pt idx="66">
+                  <c:v>0.0137574230041471</c:v>
+                </c:pt>
+                <c:pt idx="67">
+                  <c:v>0.0132418707603626</c:v>
+                </c:pt>
+                <c:pt idx="68">
+                  <c:v>0.012809109219781</c:v>
+                </c:pt>
+                <c:pt idx="69">
+                  <c:v>0.0123633636449493</c:v>
+                </c:pt>
+                <c:pt idx="70">
+                  <c:v>0.0121798291717009</c:v>
+                </c:pt>
+                <c:pt idx="71">
+                  <c:v>0.0119735614718066</c:v>
+                </c:pt>
+                <c:pt idx="72">
+                  <c:v>0.0118830551195124</c:v>
+                </c:pt>
+                <c:pt idx="73">
+                  <c:v>0.0116897802185556</c:v>
+                </c:pt>
+                <c:pt idx="74">
+                  <c:v>0.0115689623749783</c:v>
+                </c:pt>
+                <c:pt idx="75">
+                  <c:v>0.0116144347826897</c:v>
+                </c:pt>
+                <c:pt idx="76">
+                  <c:v>0.0121094338452528</c:v>
+                </c:pt>
+                <c:pt idx="77">
+                  <c:v>0.0124842568863593</c:v>
+                </c:pt>
+                <c:pt idx="78">
+                  <c:v>0.0127917324920232</c:v>
+                </c:pt>
+                <c:pt idx="79">
+                  <c:v>0.013036600767823</c:v>
+                </c:pt>
+                <c:pt idx="80">
+                  <c:v>0.013469592360973</c:v>
+                </c:pt>
+                <c:pt idx="81">
+                  <c:v>0.0129501877428698</c:v>
+                </c:pt>
+                <c:pt idx="82">
+                  <c:v>0.0120748957200232</c:v>
+                </c:pt>
+                <c:pt idx="83">
+                  <c:v>0.0111403342446653</c:v>
+                </c:pt>
+                <c:pt idx="84">
+                  <c:v>0.0103178592793814</c:v>
+                </c:pt>
+                <c:pt idx="85">
+                  <c:v>0.00940059194727422</c:v>
+                </c:pt>
+                <c:pt idx="86">
+                  <c:v>0.00868519151337116</c:v>
+                </c:pt>
+                <c:pt idx="87">
+                  <c:v>0.00791507554014687</c:v>
+                </c:pt>
+                <c:pt idx="88">
+                  <c:v>0.00695177714653927</c:v>
+                </c:pt>
+                <c:pt idx="89">
+                  <c:v>0.00584405851457259</c:v>
+                </c:pt>
+                <c:pt idx="90">
+                  <c:v>0.00451464501068305</c:v>
+                </c:pt>
+                <c:pt idx="91">
+                  <c:v>0.00336877514382694</c:v>
+                </c:pt>
+                <c:pt idx="92">
+                  <c:v>0.00203854614560789</c:v>
+                </c:pt>
+                <c:pt idx="93">
+                  <c:v>0.000688393851339009</c:v>
+                </c:pt>
+                <c:pt idx="94">
+                  <c:v>0.000400067400574466</c:v>
+                </c:pt>
+                <c:pt idx="95">
+                  <c:v>0.0029860026662869</c:v>
+                </c:pt>
+                <c:pt idx="96">
+                  <c:v>0.00771345509601484</c:v>
+                </c:pt>
+                <c:pt idx="97">
+                  <c:v>0.00620707272998244</c:v>
+                </c:pt>
+                <c:pt idx="98">
+                  <c:v>0.00278456798798354</c:v>
+                </c:pt>
+                <c:pt idx="99">
+                  <c:v>0.0028333199692942</c:v>
+                </c:pt>
+                <c:pt idx="100">
+                  <c:v>0.00470630458684701</c:v>
+                </c:pt>
+              </c:numCache>
+            </c:numRef>
+          </c:val>
+          <c:smooth val="0"/>
+          <c:extLst xmlns:c16r2="http://schemas.microsoft.com/office/drawing/2015/06/chart">
+            <c:ext xmlns:c16="http://schemas.microsoft.com/office/drawing/2014/chart" uri="{C3380CC4-5D6E-409C-BE32-E72D297353CC}">
+              <c16:uniqueId val="{00000001-01AE-4414-91C9-07E605799FBB}"/>
+            </c:ext>
+          </c:extLst>
+        </c:ser>
+        <c:dLbls>
+          <c:showLegendKey val="0"/>
+          <c:showVal val="0"/>
+          <c:showCatName val="0"/>
+          <c:showSerName val="0"/>
+          <c:showPercent val="0"/>
+          <c:showBubbleSize val="0"/>
+        </c:dLbls>
+        <c:marker val="1"/>
+        <c:smooth val="0"/>
+        <c:axId val="-2052665368"/>
+        <c:axId val="-2019757752"/>
+      </c:lineChart>
+      <c:catAx>
+        <c:axId val="-2052665368"/>
+        <c:scaling>
+          <c:orientation val="minMax"/>
+        </c:scaling>
+        <c:delete val="0"/>
+        <c:axPos val="b"/>
+        <c:numFmt formatCode="General" sourceLinked="1"/>
+        <c:majorTickMark val="out"/>
+        <c:minorTickMark val="none"/>
+        <c:tickLblPos val="nextTo"/>
+        <c:txPr>
+          <a:bodyPr/>
+          <a:lstStyle/>
+          <a:p>
+            <a:pPr>
+              <a:defRPr sz="2200"/>
+            </a:pPr>
+            <a:endParaRPr lang="en-US"/>
+          </a:p>
+        </c:txPr>
+        <c:crossAx val="-2019757752"/>
+        <c:crosses val="autoZero"/>
+        <c:auto val="1"/>
+        <c:lblAlgn val="ctr"/>
+        <c:lblOffset val="100"/>
+        <c:tickLblSkip val="20"/>
+        <c:tickMarkSkip val="20"/>
+        <c:noMultiLvlLbl val="0"/>
+      </c:catAx>
+      <c:valAx>
+        <c:axId val="-2019757752"/>
+        <c:scaling>
+          <c:orientation val="minMax"/>
+          <c:max val="0.04"/>
+          <c:min val="0.0"/>
+        </c:scaling>
+        <c:delete val="0"/>
+        <c:axPos val="l"/>
+        <c:majorGridlines>
+          <c:spPr>
+            <a:ln>
+              <a:solidFill>
+                <a:schemeClr val="accent6">
+                  <a:lumMod val="40000"/>
+                  <a:lumOff val="60000"/>
+                </a:schemeClr>
+              </a:solidFill>
+            </a:ln>
+          </c:spPr>
+        </c:majorGridlines>
+        <c:numFmt formatCode="0%" sourceLinked="0"/>
+        <c:majorTickMark val="out"/>
+        <c:minorTickMark val="none"/>
+        <c:tickLblPos val="nextTo"/>
+        <c:spPr>
+          <a:ln>
+            <a:noFill/>
+          </a:ln>
+        </c:spPr>
+        <c:txPr>
+          <a:bodyPr/>
+          <a:lstStyle/>
+          <a:p>
+            <a:pPr>
+              <a:defRPr sz="2200"/>
+            </a:pPr>
+            <a:endParaRPr lang="en-US"/>
+          </a:p>
+        </c:txPr>
+        <c:crossAx val="-2052665368"/>
+        <c:crosses val="autoZero"/>
+        <c:crossBetween val="between"/>
+        <c:majorUnit val="0.01"/>
+      </c:valAx>
+    </c:plotArea>
+    <c:plotVisOnly val="1"/>
+    <c:dispBlanksAs val="gap"/>
+    <c:showDLblsOverMax val="0"/>
+  </c:chart>
+  <c:txPr>
+    <a:bodyPr/>
+    <a:lstStyle/>
+    <a:p>
+      <a:pPr>
+        <a:defRPr sz="1800"/>
+      </a:pPr>
+      <a:endParaRPr lang="en-US"/>
+    </a:p>
+  </c:txPr>
+  <c:externalData r:id="rId1">
+    <c:autoUpdate val="0"/>
+  </c:externalData>
+</c:chartSpace>
+</file>
+
+<file path=ppt/charts/chart9.xml><?xml version="1.0" encoding="utf-8"?>
+<c:chartSpace xmlns:c="http://schemas.openxmlformats.org/drawingml/2006/chart" xmlns:a="http://schemas.openxmlformats.org/drawingml/2006/main" xmlns:r="http://schemas.openxmlformats.org/officeDocument/2006/relationships">
+  <c:date1904 val="0"/>
+  <c:lang val="en-US"/>
+  <c:roundedCorners val="0"/>
+  <mc:AlternateContent xmlns:mc="http://schemas.openxmlformats.org/markup-compatibility/2006">
+    <mc:Choice xmlns:c14="http://schemas.microsoft.com/office/drawing/2007/8/2/chart" Requires="c14">
+      <c14:style val="118"/>
+    </mc:Choice>
+    <mc:Fallback>
+      <c:style val="18"/>
+    </mc:Fallback>
+  </mc:AlternateContent>
+  <c:clrMapOvr bg1="lt1" tx1="dk1" bg2="lt2" tx2="dk2" accent1="accent1" accent2="accent2" accent3="accent3" accent4="accent4" accent5="accent5" accent6="accent6" hlink="hlink" folHlink="folHlink"/>
+  <c:chart>
+    <c:autoTitleDeleted val="1"/>
+    <c:plotArea>
+      <c:layout>
+        <c:manualLayout>
+          <c:layoutTarget val="inner"/>
+          <c:xMode val="edge"/>
+          <c:yMode val="edge"/>
+          <c:x val="0.0931444881510236"/>
+          <c:y val="0.0420820484599975"/>
+          <c:w val="0.873094989499431"/>
+          <c:h val="0.852819367221553"/>
+        </c:manualLayout>
+      </c:layout>
+      <c:lineChart>
+        <c:grouping val="standard"/>
+        <c:varyColors val="0"/>
+        <c:ser>
+          <c:idx val="0"/>
+          <c:order val="0"/>
+          <c:tx>
+            <c:strRef>
+              <c:f>Sheet1!$B$1</c:f>
+              <c:strCache>
+                <c:ptCount val="1"/>
+                <c:pt idx="0">
+                  <c:v>Bracket creep effect</c:v>
+                </c:pt>
+              </c:strCache>
+            </c:strRef>
+          </c:tx>
+          <c:spPr>
+            <a:ln>
+              <a:solidFill>
+                <a:srgbClr val="A02226"/>
+              </a:solidFill>
+            </a:ln>
+          </c:spPr>
+          <c:marker>
+            <c:symbol val="none"/>
+          </c:marker>
+          <c:cat>
+            <c:numRef>
+              <c:f>Sheet1!$A$2:$A$102</c:f>
+              <c:numCache>
+                <c:formatCode>General</c:formatCode>
+                <c:ptCount val="101"/>
+                <c:pt idx="0">
+                  <c:v>0.0</c:v>
+                </c:pt>
+                <c:pt idx="1">
+                  <c:v>1.0</c:v>
+                </c:pt>
+                <c:pt idx="2">
+                  <c:v>2.0</c:v>
+                </c:pt>
+                <c:pt idx="3">
+                  <c:v>3.0</c:v>
+                </c:pt>
+                <c:pt idx="4">
+                  <c:v>4.0</c:v>
+                </c:pt>
+                <c:pt idx="5">
+                  <c:v>5.0</c:v>
+                </c:pt>
+                <c:pt idx="6">
+                  <c:v>6.0</c:v>
+                </c:pt>
+                <c:pt idx="7">
+                  <c:v>7.0</c:v>
+                </c:pt>
+                <c:pt idx="8">
+                  <c:v>8.0</c:v>
+                </c:pt>
+                <c:pt idx="9">
+                  <c:v>9.0</c:v>
+                </c:pt>
+                <c:pt idx="10">
+                  <c:v>10.0</c:v>
+                </c:pt>
+                <c:pt idx="11">
+                  <c:v>11.0</c:v>
+                </c:pt>
+                <c:pt idx="12">
+                  <c:v>12.0</c:v>
+                </c:pt>
+                <c:pt idx="13">
+                  <c:v>13.0</c:v>
+                </c:pt>
+                <c:pt idx="14">
+                  <c:v>14.0</c:v>
+                </c:pt>
+                <c:pt idx="15">
+                  <c:v>15.0</c:v>
+                </c:pt>
+                <c:pt idx="16">
+                  <c:v>16.0</c:v>
+                </c:pt>
+                <c:pt idx="17">
+                  <c:v>17.0</c:v>
+                </c:pt>
+                <c:pt idx="18">
+                  <c:v>18.0</c:v>
+                </c:pt>
+                <c:pt idx="19">
+                  <c:v>19.0</c:v>
+                </c:pt>
+                <c:pt idx="20">
+                  <c:v>20.0</c:v>
+                </c:pt>
+                <c:pt idx="21">
+                  <c:v>21.0</c:v>
+                </c:pt>
+                <c:pt idx="22">
+                  <c:v>22.0</c:v>
+                </c:pt>
+                <c:pt idx="23">
+                  <c:v>23.0</c:v>
+                </c:pt>
+                <c:pt idx="24">
+                  <c:v>24.0</c:v>
+                </c:pt>
+                <c:pt idx="25">
+                  <c:v>25.0</c:v>
+                </c:pt>
+                <c:pt idx="26">
+                  <c:v>26.0</c:v>
+                </c:pt>
+                <c:pt idx="27">
+                  <c:v>27.0</c:v>
+                </c:pt>
+                <c:pt idx="28">
+                  <c:v>28.0</c:v>
+                </c:pt>
+                <c:pt idx="29">
+                  <c:v>29.0</c:v>
+                </c:pt>
+                <c:pt idx="30">
+                  <c:v>30.0</c:v>
+                </c:pt>
+                <c:pt idx="31">
+                  <c:v>31.0</c:v>
+                </c:pt>
+                <c:pt idx="32">
+                  <c:v>32.0</c:v>
+                </c:pt>
+                <c:pt idx="33">
+                  <c:v>33.0</c:v>
+                </c:pt>
+                <c:pt idx="34">
+                  <c:v>34.0</c:v>
+                </c:pt>
+                <c:pt idx="35">
+                  <c:v>35.0</c:v>
+                </c:pt>
+                <c:pt idx="36">
+                  <c:v>36.0</c:v>
+                </c:pt>
+                <c:pt idx="37">
+                  <c:v>37.0</c:v>
+                </c:pt>
+                <c:pt idx="38">
+                  <c:v>38.0</c:v>
+                </c:pt>
+                <c:pt idx="39">
+                  <c:v>39.0</c:v>
+                </c:pt>
+                <c:pt idx="40">
+                  <c:v>40.0</c:v>
+                </c:pt>
+                <c:pt idx="41">
+                  <c:v>41.0</c:v>
+                </c:pt>
+                <c:pt idx="42">
+                  <c:v>42.0</c:v>
+                </c:pt>
+                <c:pt idx="43">
+                  <c:v>43.0</c:v>
+                </c:pt>
+                <c:pt idx="44">
+                  <c:v>44.0</c:v>
+                </c:pt>
+                <c:pt idx="45">
+                  <c:v>45.0</c:v>
+                </c:pt>
+                <c:pt idx="46">
+                  <c:v>46.0</c:v>
+                </c:pt>
+                <c:pt idx="47">
+                  <c:v>47.0</c:v>
+                </c:pt>
+                <c:pt idx="48">
+                  <c:v>48.0</c:v>
+                </c:pt>
+                <c:pt idx="49">
+                  <c:v>49.0</c:v>
+                </c:pt>
+                <c:pt idx="50">
+                  <c:v>50.0</c:v>
+                </c:pt>
+                <c:pt idx="51">
+                  <c:v>51.0</c:v>
+                </c:pt>
+                <c:pt idx="52">
+                  <c:v>52.0</c:v>
+                </c:pt>
+                <c:pt idx="53">
+                  <c:v>53.0</c:v>
+                </c:pt>
+                <c:pt idx="54">
+                  <c:v>54.0</c:v>
+                </c:pt>
+                <c:pt idx="55">
+                  <c:v>55.0</c:v>
+                </c:pt>
+                <c:pt idx="56">
+                  <c:v>56.0</c:v>
+                </c:pt>
+                <c:pt idx="57">
+                  <c:v>57.0</c:v>
+                </c:pt>
+                <c:pt idx="58">
+                  <c:v>58.0</c:v>
+                </c:pt>
+                <c:pt idx="59">
+                  <c:v>59.0</c:v>
+                </c:pt>
+                <c:pt idx="60">
+                  <c:v>60.0</c:v>
+                </c:pt>
+                <c:pt idx="61">
+                  <c:v>61.0</c:v>
+                </c:pt>
+                <c:pt idx="62">
+                  <c:v>62.0</c:v>
+                </c:pt>
+                <c:pt idx="63">
+                  <c:v>63.0</c:v>
+                </c:pt>
+                <c:pt idx="64">
+                  <c:v>64.0</c:v>
+                </c:pt>
+                <c:pt idx="65">
+                  <c:v>65.0</c:v>
+                </c:pt>
+                <c:pt idx="66">
+                  <c:v>66.0</c:v>
+                </c:pt>
+                <c:pt idx="67">
+                  <c:v>67.0</c:v>
+                </c:pt>
+                <c:pt idx="68">
+                  <c:v>68.0</c:v>
+                </c:pt>
+                <c:pt idx="69">
+                  <c:v>69.0</c:v>
+                </c:pt>
+                <c:pt idx="70">
+                  <c:v>70.0</c:v>
+                </c:pt>
+                <c:pt idx="71">
+                  <c:v>71.0</c:v>
+                </c:pt>
+                <c:pt idx="72">
+                  <c:v>72.0</c:v>
+                </c:pt>
+                <c:pt idx="73">
+                  <c:v>73.0</c:v>
+                </c:pt>
+                <c:pt idx="74">
+                  <c:v>74.0</c:v>
+                </c:pt>
+                <c:pt idx="75">
+                  <c:v>75.0</c:v>
+                </c:pt>
+                <c:pt idx="76">
+                  <c:v>76.0</c:v>
+                </c:pt>
+                <c:pt idx="77">
+                  <c:v>77.0</c:v>
+                </c:pt>
+                <c:pt idx="78">
+                  <c:v>78.0</c:v>
+                </c:pt>
+                <c:pt idx="79">
+                  <c:v>79.0</c:v>
+                </c:pt>
+                <c:pt idx="80">
+                  <c:v>80.0</c:v>
+                </c:pt>
+                <c:pt idx="81">
+                  <c:v>81.0</c:v>
+                </c:pt>
+                <c:pt idx="82">
+                  <c:v>82.0</c:v>
+                </c:pt>
+                <c:pt idx="83">
+                  <c:v>83.0</c:v>
+                </c:pt>
+                <c:pt idx="84">
+                  <c:v>84.0</c:v>
+                </c:pt>
+                <c:pt idx="85">
+                  <c:v>85.0</c:v>
+                </c:pt>
+                <c:pt idx="86">
+                  <c:v>86.0</c:v>
+                </c:pt>
+                <c:pt idx="87">
+                  <c:v>87.0</c:v>
+                </c:pt>
+                <c:pt idx="88">
+                  <c:v>88.0</c:v>
+                </c:pt>
+                <c:pt idx="89">
+                  <c:v>89.0</c:v>
+                </c:pt>
+                <c:pt idx="90">
+                  <c:v>90.0</c:v>
+                </c:pt>
+                <c:pt idx="91">
+                  <c:v>91.0</c:v>
+                </c:pt>
+                <c:pt idx="92">
+                  <c:v>92.0</c:v>
+                </c:pt>
+                <c:pt idx="93">
+                  <c:v>93.0</c:v>
+                </c:pt>
+                <c:pt idx="94">
+                  <c:v>94.0</c:v>
+                </c:pt>
+                <c:pt idx="95">
+                  <c:v>95.0</c:v>
+                </c:pt>
+                <c:pt idx="96">
+                  <c:v>96.0</c:v>
+                </c:pt>
+                <c:pt idx="97">
+                  <c:v>97.0</c:v>
+                </c:pt>
+                <c:pt idx="98">
+                  <c:v>98.0</c:v>
+                </c:pt>
+                <c:pt idx="99">
+                  <c:v>99.0</c:v>
+                </c:pt>
+                <c:pt idx="100">
+                  <c:v>100.0</c:v>
+                </c:pt>
+              </c:numCache>
+            </c:numRef>
+          </c:cat>
+          <c:val>
+            <c:numRef>
+              <c:f>Sheet1!$B$2:$B$102</c:f>
+              <c:numCache>
+                <c:formatCode>0.00%</c:formatCode>
+                <c:ptCount val="101"/>
+                <c:pt idx="0" formatCode="0.0%">
+                  <c:v>0.0</c:v>
+                </c:pt>
+                <c:pt idx="1">
+                  <c:v>0.0</c:v>
+                </c:pt>
+                <c:pt idx="2">
+                  <c:v>0.0</c:v>
+                </c:pt>
+                <c:pt idx="3">
+                  <c:v>0.0</c:v>
+                </c:pt>
+                <c:pt idx="4">
+                  <c:v>0.0</c:v>
+                </c:pt>
+                <c:pt idx="5">
+                  <c:v>0.0</c:v>
+                </c:pt>
+                <c:pt idx="6">
+                  <c:v>0.0</c:v>
+                </c:pt>
+                <c:pt idx="7">
+                  <c:v>0.0</c:v>
+                </c:pt>
+                <c:pt idx="8">
+                  <c:v>0.0</c:v>
+                </c:pt>
+                <c:pt idx="9">
+                  <c:v>0.0</c:v>
+                </c:pt>
+                <c:pt idx="10">
+                  <c:v>0.0</c:v>
+                </c:pt>
+                <c:pt idx="11">
+                  <c:v>0.0</c:v>
+                </c:pt>
+                <c:pt idx="12">
+                  <c:v>0.0</c:v>
+                </c:pt>
+                <c:pt idx="13">
+                  <c:v>0.0</c:v>
+                </c:pt>
+                <c:pt idx="14">
+                  <c:v>0.0</c:v>
+                </c:pt>
+                <c:pt idx="15">
+                  <c:v>0.0</c:v>
+                </c:pt>
+                <c:pt idx="16">
+                  <c:v>0.0</c:v>
+                </c:pt>
+                <c:pt idx="17">
+                  <c:v>0.0</c:v>
+                </c:pt>
+                <c:pt idx="18">
+                  <c:v>0.0</c:v>
+                </c:pt>
+                <c:pt idx="19">
+                  <c:v>-0.000133996125879889</c:v>
+                </c:pt>
+                <c:pt idx="20">
+                  <c:v>-0.00489389255529364</c:v>
+                </c:pt>
+                <c:pt idx="21">
+                  <c:v>-0.00740063915682632</c:v>
+                </c:pt>
+                <c:pt idx="22">
+                  <c:v>-0.00712094680216948</c:v>
+                </c:pt>
+                <c:pt idx="23">
+                  <c:v>-0.00695141825669844</c:v>
+                </c:pt>
+                <c:pt idx="24">
+                  <c:v>-0.00664050513178048</c:v>
+                </c:pt>
+                <c:pt idx="25">
+                  <c:v>-0.00652096439361017</c:v>
+                </c:pt>
+                <c:pt idx="26">
+                  <c:v>-0.00632766633736302</c:v>
+                </c:pt>
+                <c:pt idx="27">
+                  <c:v>-0.00611376651180153</c:v>
+                </c:pt>
+                <c:pt idx="28">
+                  <c:v>-0.00593320738605812</c:v>
+                </c:pt>
+                <c:pt idx="29">
+                  <c:v>-0.00577060383870801</c:v>
+                </c:pt>
+                <c:pt idx="30">
+                  <c:v>-0.00562085255654071</c:v>
+                </c:pt>
+                <c:pt idx="31">
+                  <c:v>-0.00549448099347456</c:v>
+                </c:pt>
+                <c:pt idx="32">
+                  <c:v>-0.0058995846054994</c:v>
+                </c:pt>
+                <c:pt idx="33">
+                  <c:v>-0.00585590089270081</c:v>
+                </c:pt>
+                <c:pt idx="34">
+                  <c:v>-0.00568811102486963</c:v>
+                </c:pt>
+                <c:pt idx="35">
+                  <c:v>-0.0055218046597182</c:v>
+                </c:pt>
+                <c:pt idx="36">
+                  <c:v>-0.00566328505305666</c:v>
+                </c:pt>
+                <c:pt idx="37">
+                  <c:v>-0.00704190860198066</c:v>
+                </c:pt>
+                <c:pt idx="38">
+                  <c:v>-0.00847775136154834</c:v>
+                </c:pt>
+                <c:pt idx="39">
+                  <c:v>-0.00984034466614049</c:v>
+                </c:pt>
+                <c:pt idx="40">
+                  <c:v>-0.0107275538754916</c:v>
+                </c:pt>
+                <c:pt idx="41">
+                  <c:v>-0.0108283409640886</c:v>
+                </c:pt>
+                <c:pt idx="42">
+                  <c:v>-0.0108986324053175</c:v>
+                </c:pt>
+                <c:pt idx="43">
+                  <c:v>-0.010962946730989</c:v>
+                </c:pt>
+                <c:pt idx="44">
+                  <c:v>-0.0110120770065346</c:v>
+                </c:pt>
+                <c:pt idx="45">
+                  <c:v>-0.0110652492983066</c:v>
+                </c:pt>
+                <c:pt idx="46">
+                  <c:v>-0.0111122074599163</c:v>
+                </c:pt>
+                <c:pt idx="47">
+                  <c:v>-0.0109842321536057</c:v>
+                </c:pt>
+                <c:pt idx="48">
+                  <c:v>-0.0107507142454876</c:v>
+                </c:pt>
+                <c:pt idx="49">
+                  <c:v>-0.0105179083562119</c:v>
+                </c:pt>
+                <c:pt idx="50">
+                  <c:v>-0.0103064151847411</c:v>
+                </c:pt>
+                <c:pt idx="51">
+                  <c:v>-0.0100896178116941</c:v>
+                </c:pt>
+                <c:pt idx="52">
+                  <c:v>-0.00988533254828369</c:v>
+                </c:pt>
+                <c:pt idx="53">
+                  <c:v>-0.00968517253733822</c:v>
+                </c:pt>
+                <c:pt idx="54">
+                  <c:v>-0.00948819523371711</c:v>
+                </c:pt>
+                <c:pt idx="55">
+                  <c:v>-0.00929435750546414</c:v>
+                </c:pt>
+                <c:pt idx="56">
+                  <c:v>-0.00910653795171626</c:v>
+                </c:pt>
+                <c:pt idx="57">
+                  <c:v>-0.00892588389058979</c:v>
+                </c:pt>
+                <c:pt idx="58">
+                  <c:v>-0.00874262455863756</c:v>
+                </c:pt>
+                <c:pt idx="59">
+                  <c:v>-0.00856471114264501</c:v>
+                </c:pt>
+                <c:pt idx="60">
+                  <c:v>-0.00838711048676877</c:v>
+                </c:pt>
+                <c:pt idx="61">
+                  <c:v>-0.00821678448529792</c:v>
+                </c:pt>
+                <c:pt idx="62">
+                  <c:v>-0.00804902403182203</c:v>
+                </c:pt>
+                <c:pt idx="63">
+                  <c:v>-0.00788136174479445</c:v>
+                </c:pt>
+                <c:pt idx="64">
+                  <c:v>-0.00771617180230466</c:v>
+                </c:pt>
+                <c:pt idx="65">
+                  <c:v>-0.00755280122255106</c:v>
+                </c:pt>
+                <c:pt idx="66">
+                  <c:v>-0.00739054308151382</c:v>
+                </c:pt>
+                <c:pt idx="67">
+                  <c:v>-0.00723088393921154</c:v>
+                </c:pt>
+                <c:pt idx="68">
+                  <c:v>-0.00707436582494322</c:v>
+                </c:pt>
+                <c:pt idx="69">
+                  <c:v>-0.00691969007729421</c:v>
+                </c:pt>
+                <c:pt idx="70">
+                  <c:v>-0.00676736261641772</c:v>
+                </c:pt>
+                <c:pt idx="71">
+                  <c:v>-0.00661680502896184</c:v>
+                </c:pt>
+                <c:pt idx="72">
+                  <c:v>-0.00646948410212145</c:v>
+                </c:pt>
+                <c:pt idx="73">
+                  <c:v>-0.00632162673490419</c:v>
+                </c:pt>
+                <c:pt idx="74">
+                  <c:v>-0.0062541591726849</c:v>
+                </c:pt>
+                <c:pt idx="75">
+                  <c:v>-0.00695681281845662</c:v>
+                </c:pt>
+                <c:pt idx="76">
+                  <c:v>-0.00760919722417638</c:v>
+                </c:pt>
+                <c:pt idx="77">
+                  <c:v>-0.00796199709959536</c:v>
+                </c:pt>
+                <c:pt idx="78">
+                  <c:v>-0.00831712328632228</c:v>
+                </c:pt>
+                <c:pt idx="79">
+                  <c:v>-0.00869529784256434</c:v>
+                </c:pt>
+                <c:pt idx="80">
+                  <c:v>-0.00909538907864277</c:v>
+                </c:pt>
+                <c:pt idx="81">
+                  <c:v>-0.00946549297674171</c:v>
+                </c:pt>
+                <c:pt idx="82">
+                  <c:v>-0.00987856757283295</c:v>
+                </c:pt>
+                <c:pt idx="83">
+                  <c:v>-0.0102938772170532</c:v>
+                </c:pt>
+                <c:pt idx="84">
+                  <c:v>-0.0107438885070716</c:v>
+                </c:pt>
+                <c:pt idx="85">
+                  <c:v>-0.0112229327400988</c:v>
+                </c:pt>
+                <c:pt idx="86">
+                  <c:v>-0.0116961109136619</c:v>
+                </c:pt>
+                <c:pt idx="87">
+                  <c:v>-0.0119683162485205</c:v>
+                </c:pt>
+                <c:pt idx="88">
+                  <c:v>-0.0122732791698981</c:v>
+                </c:pt>
+                <c:pt idx="89">
+                  <c:v>-0.0127140364747256</c:v>
+                </c:pt>
+                <c:pt idx="90">
+                  <c:v>-0.0131408863672359</c:v>
+                </c:pt>
+                <c:pt idx="91">
+                  <c:v>-0.0136303391218633</c:v>
+                </c:pt>
+                <c:pt idx="92">
+                  <c:v>-0.0140630615134964</c:v>
+                </c:pt>
+                <c:pt idx="93">
+                  <c:v>-0.0145344229251969</c:v>
+                </c:pt>
+                <c:pt idx="94">
+                  <c:v>-0.014980220943482</c:v>
+                </c:pt>
+                <c:pt idx="95">
+                  <c:v>-0.0163687145314699</c:v>
+                </c:pt>
+                <c:pt idx="96">
+                  <c:v>-0.0188538511842585</c:v>
+                </c:pt>
+                <c:pt idx="97">
+                  <c:v>-0.0178713218589719</c:v>
+                </c:pt>
+                <c:pt idx="98">
+                  <c:v>-0.016777235642325</c:v>
+                </c:pt>
+                <c:pt idx="99">
+                  <c:v>-0.0126694805606999</c:v>
+                </c:pt>
+                <c:pt idx="100">
+                  <c:v>-0.00763906889282068</c:v>
+                </c:pt>
+              </c:numCache>
+            </c:numRef>
+          </c:val>
+          <c:smooth val="0"/>
+          <c:extLst xmlns:c16r2="http://schemas.microsoft.com/office/drawing/2015/06/chart">
+            <c:ext xmlns:c16="http://schemas.microsoft.com/office/drawing/2014/chart" uri="{C3380CC4-5D6E-409C-BE32-E72D297353CC}">
+              <c16:uniqueId val="{00000000-01AE-4414-91C9-07E605799FBB}"/>
+            </c:ext>
+          </c:extLst>
+        </c:ser>
+        <c:dLbls>
+          <c:showLegendKey val="0"/>
+          <c:showVal val="0"/>
+          <c:showCatName val="0"/>
+          <c:showSerName val="0"/>
+          <c:showPercent val="0"/>
+          <c:showBubbleSize val="0"/>
+        </c:dLbls>
+        <c:marker val="1"/>
+        <c:smooth val="0"/>
+        <c:axId val="-2093850312"/>
+        <c:axId val="-2052294072"/>
+      </c:lineChart>
+      <c:catAx>
+        <c:axId val="-2093850312"/>
+        <c:scaling>
+          <c:orientation val="minMax"/>
+        </c:scaling>
+        <c:delete val="0"/>
+        <c:axPos val="b"/>
+        <c:numFmt formatCode="General" sourceLinked="1"/>
+        <c:majorTickMark val="in"/>
+        <c:minorTickMark val="none"/>
+        <c:tickLblPos val="none"/>
+        <c:crossAx val="-2052294072"/>
+        <c:crosses val="autoZero"/>
+        <c:auto val="1"/>
+        <c:lblAlgn val="ctr"/>
+        <c:lblOffset val="100"/>
+        <c:tickLblSkip val="20"/>
+        <c:tickMarkSkip val="20"/>
+        <c:noMultiLvlLbl val="0"/>
+      </c:catAx>
+      <c:valAx>
+        <c:axId val="-2052294072"/>
+        <c:scaling>
+          <c:orientation val="minMax"/>
+          <c:max val="0.0"/>
+          <c:min val="-0.02"/>
+        </c:scaling>
+        <c:delete val="0"/>
+        <c:axPos val="l"/>
+        <c:majorGridlines>
+          <c:spPr>
+            <a:ln>
+              <a:solidFill>
+                <a:srgbClr val="C3C7CB"/>
+              </a:solidFill>
+            </a:ln>
+          </c:spPr>
+        </c:majorGridlines>
+        <c:numFmt formatCode="0%" sourceLinked="0"/>
+        <c:majorTickMark val="out"/>
+        <c:minorTickMark val="none"/>
+        <c:tickLblPos val="nextTo"/>
+        <c:spPr>
+          <a:ln>
+            <a:noFill/>
+          </a:ln>
+        </c:spPr>
+        <c:txPr>
+          <a:bodyPr/>
+          <a:lstStyle/>
+          <a:p>
+            <a:pPr>
+              <a:defRPr sz="2200"/>
+            </a:pPr>
+            <a:endParaRPr lang="en-US"/>
+          </a:p>
+        </c:txPr>
+        <c:crossAx val="-2093850312"/>
+        <c:crosses val="autoZero"/>
+        <c:crossBetween val="between"/>
+        <c:majorUnit val="0.01"/>
+      </c:valAx>
+    </c:plotArea>
+    <c:plotVisOnly val="1"/>
+    <c:dispBlanksAs val="gap"/>
+    <c:showDLblsOverMax val="0"/>
+  </c:chart>
+  <c:txPr>
+    <a:bodyPr/>
+    <a:lstStyle/>
+    <a:p>
+      <a:pPr>
+        <a:defRPr sz="1800"/>
+      </a:pPr>
+      <a:endParaRPr lang="en-US"/>
+    </a:p>
+  </c:txPr>
+  <c:externalData r:id="rId2">
     <c:autoUpdate val="0"/>
   </c:externalData>
 </c:chartSpace>
@@ -9262,7 +11494,7 @@
           <p:nvPr>
             <p:extLst>
               <p:ext uri="{D42A27DB-BD31-4B8C-83A1-F6EECF244321}">
-                <p14:modId xmlns:p14="http://schemas.microsoft.com/office/powerpoint/2010/main" val="546146882"/>
+                <p14:modId xmlns:p14="http://schemas.microsoft.com/office/powerpoint/2010/main" val="2337592856"/>
               </p:ext>
             </p:extLst>
           </p:nvPr>
@@ -11169,7 +13401,7 @@
           <p:nvPr>
             <p:extLst>
               <p:ext uri="{D42A27DB-BD31-4B8C-83A1-F6EECF244321}">
-                <p14:modId xmlns:p14="http://schemas.microsoft.com/office/powerpoint/2010/main" val="4131374210"/>
+                <p14:modId xmlns:p14="http://schemas.microsoft.com/office/powerpoint/2010/main" val="856761397"/>
               </p:ext>
             </p:extLst>
           </p:nvPr>
@@ -11192,7 +13424,7 @@
         </p:nvSpPr>
         <p:spPr>
           <a:xfrm>
-            <a:off x="5312894" y="415654"/>
+            <a:off x="5533028" y="686588"/>
             <a:ext cx="3376108" cy="447609"/>
           </a:xfrm>
           <a:prstGeom prst="rect">
@@ -11244,8 +13476,8 @@
         </p:nvSpPr>
         <p:spPr>
           <a:xfrm>
-            <a:off x="3783362" y="2831582"/>
-            <a:ext cx="3094255" cy="677108"/>
+            <a:off x="3393899" y="2374381"/>
+            <a:ext cx="3637436" cy="677108"/>
           </a:xfrm>
           <a:prstGeom prst="rect">
             <a:avLst/>
@@ -11298,7 +13530,7 @@
                 <a:ea typeface="+mn-ea"/>
                 <a:cs typeface="Arial"/>
               </a:rPr>
-              <a:t>including impact of PIT</a:t>
+              <a:t>including impact of Tax Plan</a:t>
             </a:r>
             <a:endParaRPr sz="2200" dirty="0">
               <a:solidFill>
@@ -11314,14 +13546,12 @@
       <p:cxnSp>
         <p:nvCxnSpPr>
           <p:cNvPr id="45" name="Straight Connector 44"/>
-          <p:cNvCxnSpPr>
-            <a:endCxn id="44" idx="0"/>
-          </p:cNvCxnSpPr>
+          <p:cNvCxnSpPr/>
           <p:nvPr/>
         </p:nvCxnSpPr>
         <p:spPr bwMode="auto">
           <a:xfrm flipH="1">
-            <a:off x="5330490" y="2467430"/>
+            <a:off x="5364357" y="1908630"/>
             <a:ext cx="395598" cy="364152"/>
           </a:xfrm>
           <a:prstGeom prst="line">
@@ -11349,7 +13579,7 @@
           <p:nvPr>
             <p:extLst>
               <p:ext uri="{D42A27DB-BD31-4B8C-83A1-F6EECF244321}">
-                <p14:modId xmlns:p14="http://schemas.microsoft.com/office/powerpoint/2010/main" val="811455168"/>
+                <p14:modId xmlns:p14="http://schemas.microsoft.com/office/powerpoint/2010/main" val="2821202219"/>
               </p:ext>
             </p:extLst>
           </p:nvPr>
@@ -11372,13 +13602,15 @@
         </p:nvSpPr>
         <p:spPr>
           <a:xfrm>
-            <a:off x="5319729" y="5256643"/>
+            <a:off x="4489996" y="4917976"/>
             <a:ext cx="2717487" cy="786163"/>
           </a:xfrm>
           <a:prstGeom prst="rect">
             <a:avLst/>
           </a:prstGeom>
-          <a:noFill/>
+          <a:solidFill>
+            <a:srgbClr val="FFFFFF"/>
+          </a:solidFill>
         </p:spPr>
         <p:txBody>
           <a:bodyPr wrap="none" lIns="72000" tIns="54000" rIns="72000" bIns="54000" rtlCol="0">
@@ -11403,7 +13635,7 @@
                 <a:ea typeface="+mn-ea"/>
                 <a:cs typeface="Arial"/>
               </a:rPr>
-              <a:t>Impact of PIT </a:t>
+              <a:t>Impact of Tax Plan</a:t>
             </a:r>
             <a:br>
               <a:rPr lang="en-AU" sz="2200" dirty="0" smtClean="0">
@@ -18983,6 +21215,452 @@
 </p:sld>
 </file>
 
+<file path=ppt/slides/slide9.xml><?xml version="1.0" encoding="utf-8"?>
+<p:sld xmlns:a="http://schemas.openxmlformats.org/drawingml/2006/main" xmlns:r="http://schemas.openxmlformats.org/officeDocument/2006/relationships" xmlns:p="http://schemas.openxmlformats.org/presentationml/2006/main">
+  <p:cSld>
+    <p:spTree>
+      <p:nvGrpSpPr>
+        <p:cNvPr id="1" name=""/>
+        <p:cNvGrpSpPr/>
+        <p:nvPr/>
+      </p:nvGrpSpPr>
+      <p:grpSpPr>
+        <a:xfrm>
+          <a:off x="0" y="0"/>
+          <a:ext cx="0" cy="0"/>
+          <a:chOff x="0" y="0"/>
+          <a:chExt cx="0" cy="0"/>
+        </a:xfrm>
+      </p:grpSpPr>
+      <p:graphicFrame>
+        <p:nvGraphicFramePr>
+          <p:cNvPr id="3" name="Chart 2"/>
+          <p:cNvGraphicFramePr/>
+          <p:nvPr>
+            <p:extLst>
+              <p:ext uri="{D42A27DB-BD31-4B8C-83A1-F6EECF244321}">
+                <p14:modId xmlns:p14="http://schemas.microsoft.com/office/powerpoint/2010/main" val="1281264148"/>
+              </p:ext>
+            </p:extLst>
+          </p:nvPr>
+        </p:nvGraphicFramePr>
+        <p:xfrm>
+          <a:off x="1" y="-1"/>
+          <a:ext cx="9904280" cy="4125484"/>
+        </p:xfrm>
+        <a:graphic>
+          <a:graphicData uri="http://schemas.openxmlformats.org/drawingml/2006/chart">
+            <c:chart xmlns:c="http://schemas.openxmlformats.org/drawingml/2006/chart" xmlns:r="http://schemas.openxmlformats.org/officeDocument/2006/relationships" r:id="rId2"/>
+          </a:graphicData>
+        </a:graphic>
+      </p:graphicFrame>
+      <p:sp>
+        <p:nvSpPr>
+          <p:cNvPr id="43" name="tx95"/>
+          <p:cNvSpPr/>
+          <p:nvPr/>
+        </p:nvSpPr>
+        <p:spPr>
+          <a:xfrm>
+            <a:off x="5312894" y="415654"/>
+            <a:ext cx="3376108" cy="447609"/>
+          </a:xfrm>
+          <a:prstGeom prst="rect">
+            <a:avLst/>
+          </a:prstGeom>
+          <a:noFill/>
+        </p:spPr>
+        <p:txBody>
+          <a:bodyPr wrap="none" lIns="72000" tIns="54000" rIns="72000" bIns="54000" rtlCol="0">
+            <a:spAutoFit/>
+          </a:bodyPr>
+          <a:lstStyle/>
+          <a:p>
+            <a:pPr>
+              <a:spcBef>
+                <a:spcPts val="0"/>
+              </a:spcBef>
+              <a:spcAft>
+                <a:spcPts val="0"/>
+              </a:spcAft>
+            </a:pPr>
+            <a:r>
+              <a:rPr lang="en-AU" sz="2200" dirty="0">
+                <a:solidFill>
+                  <a:schemeClr val="accent1"/>
+                </a:solidFill>
+                <a:latin typeface="+mn-lt"/>
+                <a:ea typeface="+mn-ea"/>
+                <a:cs typeface="Arial"/>
+              </a:rPr>
+              <a:t>Bracket creep by 2027-28</a:t>
+            </a:r>
+            <a:endParaRPr sz="2200" dirty="0">
+              <a:solidFill>
+                <a:schemeClr val="accent1"/>
+              </a:solidFill>
+              <a:latin typeface="+mn-lt"/>
+              <a:ea typeface="+mn-ea"/>
+              <a:cs typeface="Arial"/>
+            </a:endParaRPr>
+          </a:p>
+        </p:txBody>
+      </p:sp>
+      <p:sp>
+        <p:nvSpPr>
+          <p:cNvPr id="44" name="tx95"/>
+          <p:cNvSpPr/>
+          <p:nvPr/>
+        </p:nvSpPr>
+        <p:spPr>
+          <a:xfrm>
+            <a:off x="3783362" y="2831582"/>
+            <a:ext cx="3094255" cy="677108"/>
+          </a:xfrm>
+          <a:prstGeom prst="rect">
+            <a:avLst/>
+          </a:prstGeom>
+          <a:solidFill>
+            <a:schemeClr val="bg1"/>
+          </a:solidFill>
+        </p:spPr>
+        <p:txBody>
+          <a:bodyPr wrap="none" lIns="72000" tIns="0" rIns="72000" bIns="0" rtlCol="0">
+            <a:spAutoFit/>
+          </a:bodyPr>
+          <a:lstStyle/>
+          <a:p>
+            <a:pPr>
+              <a:spcBef>
+                <a:spcPts val="0"/>
+              </a:spcBef>
+              <a:spcAft>
+                <a:spcPts val="0"/>
+              </a:spcAft>
+            </a:pPr>
+            <a:r>
+              <a:rPr lang="en-AU" sz="2200" dirty="0" smtClean="0">
+                <a:solidFill>
+                  <a:schemeClr val="bg2"/>
+                </a:solidFill>
+                <a:latin typeface="+mn-lt"/>
+                <a:ea typeface="+mn-ea"/>
+                <a:cs typeface="Arial"/>
+              </a:rPr>
+              <a:t>Net change to 2027-28,</a:t>
+            </a:r>
+            <a:br>
+              <a:rPr lang="en-AU" sz="2200" dirty="0" smtClean="0">
+                <a:solidFill>
+                  <a:schemeClr val="bg2"/>
+                </a:solidFill>
+                <a:latin typeface="+mn-lt"/>
+                <a:ea typeface="+mn-ea"/>
+                <a:cs typeface="Arial"/>
+              </a:rPr>
+            </a:br>
+            <a:r>
+              <a:rPr lang="en-AU" sz="2200" dirty="0" smtClean="0">
+                <a:solidFill>
+                  <a:schemeClr val="bg2"/>
+                </a:solidFill>
+                <a:latin typeface="+mn-lt"/>
+                <a:ea typeface="+mn-ea"/>
+                <a:cs typeface="Arial"/>
+              </a:rPr>
+              <a:t>including impact of PIT</a:t>
+            </a:r>
+            <a:endParaRPr sz="2200" dirty="0">
+              <a:solidFill>
+                <a:schemeClr val="bg2"/>
+              </a:solidFill>
+              <a:latin typeface="+mn-lt"/>
+              <a:ea typeface="+mn-ea"/>
+              <a:cs typeface="Arial"/>
+            </a:endParaRPr>
+          </a:p>
+        </p:txBody>
+      </p:sp>
+      <p:cxnSp>
+        <p:nvCxnSpPr>
+          <p:cNvPr id="45" name="Straight Connector 44"/>
+          <p:cNvCxnSpPr>
+            <a:endCxn id="44" idx="0"/>
+          </p:cNvCxnSpPr>
+          <p:nvPr/>
+        </p:nvCxnSpPr>
+        <p:spPr bwMode="auto">
+          <a:xfrm flipH="1">
+            <a:off x="5330490" y="2467430"/>
+            <a:ext cx="395598" cy="364152"/>
+          </a:xfrm>
+          <a:prstGeom prst="line">
+            <a:avLst/>
+          </a:prstGeom>
+          <a:solidFill>
+            <a:schemeClr val="accent1"/>
+          </a:solidFill>
+          <a:ln w="19050" cap="flat" cmpd="sng" algn="ctr">
+            <a:solidFill>
+              <a:schemeClr val="bg2"/>
+            </a:solidFill>
+            <a:prstDash val="solid"/>
+            <a:round/>
+            <a:headEnd type="none" w="med" len="med"/>
+            <a:tailEnd type="none" w="med" len="med"/>
+          </a:ln>
+          <a:effectLst/>
+        </p:spPr>
+      </p:cxnSp>
+      <p:graphicFrame>
+        <p:nvGraphicFramePr>
+          <p:cNvPr id="10" name="Chart 9"/>
+          <p:cNvGraphicFramePr/>
+          <p:nvPr>
+            <p:extLst>
+              <p:ext uri="{D42A27DB-BD31-4B8C-83A1-F6EECF244321}">
+                <p14:modId xmlns:p14="http://schemas.microsoft.com/office/powerpoint/2010/main" val="2103782242"/>
+              </p:ext>
+            </p:extLst>
+          </p:nvPr>
+        </p:nvGraphicFramePr>
+        <p:xfrm>
+          <a:off x="1" y="4189803"/>
+          <a:ext cx="9905999" cy="2068276"/>
+        </p:xfrm>
+        <a:graphic>
+          <a:graphicData uri="http://schemas.openxmlformats.org/drawingml/2006/chart">
+            <c:chart xmlns:c="http://schemas.openxmlformats.org/drawingml/2006/chart" xmlns:r="http://schemas.openxmlformats.org/officeDocument/2006/relationships" r:id="rId3"/>
+          </a:graphicData>
+        </a:graphic>
+      </p:graphicFrame>
+      <p:sp>
+        <p:nvSpPr>
+          <p:cNvPr id="11" name="tx95"/>
+          <p:cNvSpPr/>
+          <p:nvPr/>
+        </p:nvSpPr>
+        <p:spPr>
+          <a:xfrm>
+            <a:off x="5319729" y="5256643"/>
+            <a:ext cx="2717487" cy="786163"/>
+          </a:xfrm>
+          <a:prstGeom prst="rect">
+            <a:avLst/>
+          </a:prstGeom>
+          <a:noFill/>
+        </p:spPr>
+        <p:txBody>
+          <a:bodyPr wrap="none" lIns="72000" tIns="54000" rIns="72000" bIns="54000" rtlCol="0">
+            <a:spAutoFit/>
+          </a:bodyPr>
+          <a:lstStyle/>
+          <a:p>
+            <a:pPr>
+              <a:spcBef>
+                <a:spcPts val="0"/>
+              </a:spcBef>
+              <a:spcAft>
+                <a:spcPts val="0"/>
+              </a:spcAft>
+            </a:pPr>
+            <a:r>
+              <a:rPr lang="en-AU" sz="2200" dirty="0" smtClean="0">
+                <a:solidFill>
+                  <a:schemeClr val="tx2"/>
+                </a:solidFill>
+                <a:latin typeface="+mn-lt"/>
+                <a:ea typeface="+mn-ea"/>
+                <a:cs typeface="Arial"/>
+              </a:rPr>
+              <a:t>Impact of PIT </a:t>
+            </a:r>
+            <a:br>
+              <a:rPr lang="en-AU" sz="2200" dirty="0" smtClean="0">
+                <a:solidFill>
+                  <a:schemeClr val="tx2"/>
+                </a:solidFill>
+                <a:latin typeface="+mn-lt"/>
+                <a:ea typeface="+mn-ea"/>
+                <a:cs typeface="Arial"/>
+              </a:rPr>
+            </a:br>
+            <a:r>
+              <a:rPr lang="en-AU" sz="2200" dirty="0" smtClean="0">
+                <a:solidFill>
+                  <a:schemeClr val="tx2"/>
+                </a:solidFill>
+                <a:latin typeface="+mn-lt"/>
+                <a:ea typeface="+mn-ea"/>
+                <a:cs typeface="Arial"/>
+              </a:rPr>
+              <a:t>on average tax rates</a:t>
+            </a:r>
+            <a:endParaRPr sz="2200" dirty="0">
+              <a:solidFill>
+                <a:schemeClr val="tx2"/>
+              </a:solidFill>
+              <a:latin typeface="+mn-lt"/>
+              <a:ea typeface="+mn-ea"/>
+              <a:cs typeface="Arial"/>
+            </a:endParaRPr>
+          </a:p>
+        </p:txBody>
+      </p:sp>
+      <p:sp>
+        <p:nvSpPr>
+          <p:cNvPr id="12" name="tx95"/>
+          <p:cNvSpPr/>
+          <p:nvPr/>
+        </p:nvSpPr>
+        <p:spPr>
+          <a:xfrm>
+            <a:off x="3900095" y="6453452"/>
+            <a:ext cx="2764049" cy="357841"/>
+          </a:xfrm>
+          <a:prstGeom prst="rect">
+            <a:avLst/>
+          </a:prstGeom>
+          <a:noFill/>
+        </p:spPr>
+        <p:txBody>
+          <a:bodyPr wrap="none" lIns="72000" tIns="54000" rIns="72000" bIns="54000" rtlCol="0">
+            <a:spAutoFit/>
+          </a:bodyPr>
+          <a:lstStyle/>
+          <a:p>
+            <a:pPr>
+              <a:lnSpc>
+                <a:spcPts val="1800"/>
+              </a:lnSpc>
+              <a:spcBef>
+                <a:spcPts val="0"/>
+              </a:spcBef>
+              <a:spcAft>
+                <a:spcPts val="0"/>
+              </a:spcAft>
+            </a:pPr>
+            <a:r>
+              <a:rPr lang="en-AU" sz="2200" dirty="0" smtClean="0">
+                <a:solidFill>
+                  <a:srgbClr val="000000">
+                    <a:alpha val="100000"/>
+                  </a:srgbClr>
+                </a:solidFill>
+                <a:latin typeface="+mn-lt"/>
+                <a:ea typeface="+mn-ea"/>
+                <a:cs typeface="Arial"/>
+              </a:rPr>
+              <a:t>Percentile of </a:t>
+            </a:r>
+            <a:r>
+              <a:rPr lang="en-AU" sz="2200" dirty="0" err="1" smtClean="0">
+                <a:solidFill>
+                  <a:srgbClr val="000000">
+                    <a:alpha val="100000"/>
+                  </a:srgbClr>
+                </a:solidFill>
+                <a:latin typeface="+mn-lt"/>
+                <a:ea typeface="+mn-ea"/>
+                <a:cs typeface="Arial"/>
+              </a:rPr>
+              <a:t>taxfilers</a:t>
+            </a:r>
+            <a:endParaRPr sz="2200" dirty="0">
+              <a:solidFill>
+                <a:srgbClr val="000000">
+                  <a:alpha val="100000"/>
+                </a:srgbClr>
+              </a:solidFill>
+              <a:latin typeface="+mn-lt"/>
+              <a:ea typeface="+mn-ea"/>
+              <a:cs typeface="Arial"/>
+            </a:endParaRPr>
+          </a:p>
+        </p:txBody>
+      </p:sp>
+      <p:sp>
+        <p:nvSpPr>
+          <p:cNvPr id="9" name="Rectangle 8"/>
+          <p:cNvSpPr/>
+          <p:nvPr/>
+        </p:nvSpPr>
+        <p:spPr bwMode="auto">
+          <a:xfrm>
+            <a:off x="0" y="152400"/>
+            <a:ext cx="2319867" cy="1117600"/>
+          </a:xfrm>
+          <a:prstGeom prst="rect">
+            <a:avLst/>
+          </a:prstGeom>
+          <a:solidFill>
+            <a:srgbClr val="FFFF00"/>
+          </a:solidFill>
+          <a:ln w="9525" cap="flat" cmpd="sng" algn="ctr">
+            <a:solidFill>
+              <a:schemeClr val="tx1"/>
+            </a:solidFill>
+            <a:prstDash val="solid"/>
+            <a:round/>
+            <a:headEnd type="none" w="med" len="med"/>
+            <a:tailEnd type="none" w="med" len="med"/>
+          </a:ln>
+          <a:effectLst/>
+        </p:spPr>
+        <p:txBody>
+          <a:bodyPr vert="horz" wrap="square" lIns="91440" tIns="45720" rIns="91440" bIns="45720" numCol="1" rtlCol="0" anchor="t" anchorCtr="0" compatLnSpc="1">
+            <a:prstTxWarp prst="textNoShape">
+              <a:avLst/>
+            </a:prstTxWarp>
+          </a:bodyPr>
+          <a:lstStyle/>
+          <a:p>
+            <a:pPr marL="0" marR="0" indent="0" algn="l" defTabSz="914400" rtl="0" eaLnBrk="0" fontAlgn="base" latinLnBrk="0" hangingPunct="0">
+              <a:lnSpc>
+                <a:spcPct val="100000"/>
+              </a:lnSpc>
+              <a:spcBef>
+                <a:spcPct val="0"/>
+              </a:spcBef>
+              <a:spcAft>
+                <a:spcPct val="0"/>
+              </a:spcAft>
+              <a:buClrTx/>
+              <a:buSzTx/>
+              <a:buFontTx/>
+              <a:buNone/>
+              <a:tabLst/>
+            </a:pPr>
+            <a:r>
+              <a:rPr kumimoji="0" lang="en-US" sz="2400" b="0" i="0" u="none" strike="noStrike" cap="none" normalizeH="0" baseline="0" dirty="0" smtClean="0">
+                <a:ln>
+                  <a:noFill/>
+                </a:ln>
+                <a:solidFill>
+                  <a:schemeClr val="tx1"/>
+                </a:solidFill>
+                <a:effectLst/>
+                <a:latin typeface="Arial" charset="0"/>
+                <a:ea typeface="ＭＳ Ｐゴシック" pitchFamily="34" charset="-128"/>
+              </a:rPr>
+              <a:t>Numbers from Hugh’s chart</a:t>
+            </a:r>
+          </a:p>
+        </p:txBody>
+      </p:sp>
+    </p:spTree>
+    <p:extLst>
+      <p:ext uri="{BB962C8B-B14F-4D97-AF65-F5344CB8AC3E}">
+        <p14:creationId xmlns:p14="http://schemas.microsoft.com/office/powerpoint/2010/main" val="3390670621"/>
+      </p:ext>
+    </p:extLst>
+  </p:cSld>
+  <p:clrMapOvr>
+    <a:masterClrMapping/>
+  </p:clrMapOvr>
+</p:sld>
+</file>
+
 <file path=ppt/theme/theme1.xml><?xml version="1.0" encoding="utf-8"?>
 <a:theme xmlns:a="http://schemas.openxmlformats.org/drawingml/2006/main" name="Charts for overheads">
   <a:themeElements>
@@ -19900,4 +22578,225 @@
     </a:bgFillStyleLst>
   </a:fmtScheme>
 </a:themeOverride>
+</file>
+
+<file path=ppt/theme/themeOverride2.xml><?xml version="1.0" encoding="utf-8"?>
+<a:themeOverride xmlns:a="http://schemas.openxmlformats.org/drawingml/2006/main">
+  <a:clrScheme name="Grattan">
+    <a:dk1>
+      <a:srgbClr val="000000"/>
+    </a:dk1>
+    <a:lt1>
+      <a:srgbClr val="FFFFFF"/>
+    </a:lt1>
+    <a:dk2>
+      <a:srgbClr val="A02226"/>
+    </a:dk2>
+    <a:lt2>
+      <a:srgbClr val="621214"/>
+    </a:lt2>
+    <a:accent1>
+      <a:srgbClr val="D4582A"/>
+    </a:accent1>
+    <a:accent2>
+      <a:srgbClr val="F68B33"/>
+    </a:accent2>
+    <a:accent3>
+      <a:srgbClr val="FFC35A"/>
+    </a:accent3>
+    <a:accent4>
+      <a:srgbClr val="FFE07F"/>
+    </a:accent4>
+    <a:accent5>
+      <a:srgbClr val="F3901D"/>
+    </a:accent5>
+    <a:accent6>
+      <a:srgbClr val="6A737B"/>
+    </a:accent6>
+    <a:hlink>
+      <a:srgbClr val="757575"/>
+    </a:hlink>
+    <a:folHlink>
+      <a:srgbClr val="AEAEAE"/>
+    </a:folHlink>
+  </a:clrScheme>
+  <a:fontScheme name="Blank Presentation">
+    <a:majorFont>
+      <a:latin typeface="Arial"/>
+      <a:ea typeface="ＭＳ Ｐゴシック"/>
+      <a:cs typeface=""/>
+    </a:majorFont>
+    <a:minorFont>
+      <a:latin typeface="Arial"/>
+      <a:ea typeface="ＭＳ Ｐゴシック"/>
+      <a:cs typeface=""/>
+    </a:minorFont>
+  </a:fontScheme>
+  <a:fmtScheme name="Office">
+    <a:fillStyleLst>
+      <a:solidFill>
+        <a:schemeClr val="phClr"/>
+      </a:solidFill>
+      <a:gradFill rotWithShape="1">
+        <a:gsLst>
+          <a:gs pos="0">
+            <a:schemeClr val="phClr">
+              <a:tint val="50000"/>
+              <a:satMod val="300000"/>
+            </a:schemeClr>
+          </a:gs>
+          <a:gs pos="35000">
+            <a:schemeClr val="phClr">
+              <a:tint val="37000"/>
+              <a:satMod val="300000"/>
+            </a:schemeClr>
+          </a:gs>
+          <a:gs pos="100000">
+            <a:schemeClr val="phClr">
+              <a:tint val="15000"/>
+              <a:satMod val="350000"/>
+            </a:schemeClr>
+          </a:gs>
+        </a:gsLst>
+        <a:lin ang="16200000" scaled="1"/>
+      </a:gradFill>
+      <a:gradFill rotWithShape="1">
+        <a:gsLst>
+          <a:gs pos="0">
+            <a:schemeClr val="phClr">
+              <a:shade val="51000"/>
+              <a:satMod val="130000"/>
+            </a:schemeClr>
+          </a:gs>
+          <a:gs pos="80000">
+            <a:schemeClr val="phClr">
+              <a:shade val="93000"/>
+              <a:satMod val="130000"/>
+            </a:schemeClr>
+          </a:gs>
+          <a:gs pos="100000">
+            <a:schemeClr val="phClr">
+              <a:shade val="94000"/>
+              <a:satMod val="135000"/>
+            </a:schemeClr>
+          </a:gs>
+        </a:gsLst>
+        <a:lin ang="16200000" scaled="0"/>
+      </a:gradFill>
+    </a:fillStyleLst>
+    <a:lnStyleLst>
+      <a:ln w="9525" cap="flat" cmpd="sng" algn="ctr">
+        <a:solidFill>
+          <a:schemeClr val="phClr">
+            <a:shade val="95000"/>
+            <a:satMod val="105000"/>
+          </a:schemeClr>
+        </a:solidFill>
+        <a:prstDash val="solid"/>
+      </a:ln>
+      <a:ln w="25400" cap="flat" cmpd="sng" algn="ctr">
+        <a:solidFill>
+          <a:schemeClr val="phClr"/>
+        </a:solidFill>
+        <a:prstDash val="solid"/>
+      </a:ln>
+      <a:ln w="38100" cap="flat" cmpd="sng" algn="ctr">
+        <a:solidFill>
+          <a:schemeClr val="phClr"/>
+        </a:solidFill>
+        <a:prstDash val="solid"/>
+      </a:ln>
+    </a:lnStyleLst>
+    <a:effectStyleLst>
+      <a:effectStyle>
+        <a:effectLst>
+          <a:outerShdw blurRad="40000" dist="20000" dir="5400000" rotWithShape="0">
+            <a:srgbClr val="000000">
+              <a:alpha val="38000"/>
+            </a:srgbClr>
+          </a:outerShdw>
+        </a:effectLst>
+      </a:effectStyle>
+      <a:effectStyle>
+        <a:effectLst>
+          <a:outerShdw blurRad="40000" dist="23000" dir="5400000" rotWithShape="0">
+            <a:srgbClr val="000000">
+              <a:alpha val="35000"/>
+            </a:srgbClr>
+          </a:outerShdw>
+        </a:effectLst>
+      </a:effectStyle>
+      <a:effectStyle>
+        <a:effectLst>
+          <a:outerShdw blurRad="40000" dist="23000" dir="5400000" rotWithShape="0">
+            <a:srgbClr val="000000">
+              <a:alpha val="35000"/>
+            </a:srgbClr>
+          </a:outerShdw>
+        </a:effectLst>
+        <a:scene3d>
+          <a:camera prst="orthographicFront">
+            <a:rot lat="0" lon="0" rev="0"/>
+          </a:camera>
+          <a:lightRig rig="threePt" dir="t">
+            <a:rot lat="0" lon="0" rev="1200000"/>
+          </a:lightRig>
+        </a:scene3d>
+        <a:sp3d>
+          <a:bevelT w="63500" h="25400"/>
+        </a:sp3d>
+      </a:effectStyle>
+    </a:effectStyleLst>
+    <a:bgFillStyleLst>
+      <a:solidFill>
+        <a:schemeClr val="phClr"/>
+      </a:solidFill>
+      <a:gradFill rotWithShape="1">
+        <a:gsLst>
+          <a:gs pos="0">
+            <a:schemeClr val="phClr">
+              <a:tint val="40000"/>
+              <a:satMod val="350000"/>
+            </a:schemeClr>
+          </a:gs>
+          <a:gs pos="40000">
+            <a:schemeClr val="phClr">
+              <a:tint val="45000"/>
+              <a:shade val="99000"/>
+              <a:satMod val="350000"/>
+            </a:schemeClr>
+          </a:gs>
+          <a:gs pos="100000">
+            <a:schemeClr val="phClr">
+              <a:shade val="20000"/>
+              <a:satMod val="255000"/>
+            </a:schemeClr>
+          </a:gs>
+        </a:gsLst>
+        <a:path path="circle">
+          <a:fillToRect l="50000" t="-80000" r="50000" b="180000"/>
+        </a:path>
+      </a:gradFill>
+      <a:gradFill rotWithShape="1">
+        <a:gsLst>
+          <a:gs pos="0">
+            <a:schemeClr val="phClr">
+              <a:tint val="80000"/>
+              <a:satMod val="300000"/>
+            </a:schemeClr>
+          </a:gs>
+          <a:gs pos="100000">
+            <a:schemeClr val="phClr">
+              <a:shade val="30000"/>
+              <a:satMod val="200000"/>
+            </a:schemeClr>
+          </a:gs>
+        </a:gsLst>
+        <a:path path="circle">
+          <a:fillToRect l="50000" t="50000" r="50000" b="50000"/>
+        </a:path>
+      </a:gradFill>
+    </a:bgFillStyleLst>
+  </a:fmtScheme>
+</a:themeOverride>
 </file>